--- a/CSHL_PPT_Poster_V2.pptx
+++ b/CSHL_PPT_Poster_V2.pptx
@@ -116,8 +116,62 @@
 <p1510:revInfo xmlns:a="http://schemas.openxmlformats.org/drawingml/2006/main" xmlns:r="http://schemas.openxmlformats.org/officeDocument/2006/relationships" xmlns:p1510="http://schemas.microsoft.com/office/powerpoint/2015/10/main">
   <p1510:revLst>
     <p1510:client id="{5AE76646-08D4-464D-814A-33706E6B22BC}" v="767" dt="2024-10-08T21:09:17.281"/>
+    <p1510:client id="{74D3705F-D23E-574A-81CD-1A9C45B3E2A9}" v="1" dt="2024-10-09T16:30:33.419"/>
   </p1510:revLst>
 </p1510:revInfo>
+</file>
+
+<file path=ppt/changesInfos/changesInfo1.xml><?xml version="1.0" encoding="utf-8"?>
+<pc:chgInfo xmlns:a="http://schemas.openxmlformats.org/drawingml/2006/main" xmlns:r="http://schemas.openxmlformats.org/officeDocument/2006/relationships" xmlns:ac="http://schemas.microsoft.com/office/drawing/2013/main/command" xmlns:pc="http://schemas.microsoft.com/office/powerpoint/2013/main/command">
+  <pc:docChgLst>
+    <pc:chgData name="McCauley, Kathryn (NIH/NIAID) [C]" userId="8123e298-eaa7-4067-960e-8e9acda1581f" providerId="ADAL" clId="{74D3705F-D23E-574A-81CD-1A9C45B3E2A9}"/>
+    <pc:docChg chg="undo custSel modSld">
+      <pc:chgData name="McCauley, Kathryn (NIH/NIAID) [C]" userId="8123e298-eaa7-4067-960e-8e9acda1581f" providerId="ADAL" clId="{74D3705F-D23E-574A-81CD-1A9C45B3E2A9}" dt="2024-10-09T16:30:36.642" v="27" actId="1076"/>
+      <pc:docMkLst>
+        <pc:docMk/>
+      </pc:docMkLst>
+      <pc:sldChg chg="modSp mod">
+        <pc:chgData name="McCauley, Kathryn (NIH/NIAID) [C]" userId="8123e298-eaa7-4067-960e-8e9acda1581f" providerId="ADAL" clId="{74D3705F-D23E-574A-81CD-1A9C45B3E2A9}" dt="2024-10-09T16:30:36.642" v="27" actId="1076"/>
+        <pc:sldMkLst>
+          <pc:docMk/>
+          <pc:sldMk cId="1538252808" sldId="257"/>
+        </pc:sldMkLst>
+        <pc:spChg chg="mod">
+          <ac:chgData name="McCauley, Kathryn (NIH/NIAID) [C]" userId="8123e298-eaa7-4067-960e-8e9acda1581f" providerId="ADAL" clId="{74D3705F-D23E-574A-81CD-1A9C45B3E2A9}" dt="2024-10-09T16:30:12.144" v="13" actId="1076"/>
+          <ac:spMkLst>
+            <pc:docMk/>
+            <pc:sldMk cId="1538252808" sldId="257"/>
+            <ac:spMk id="21" creationId="{1C4D0C0F-5686-3D1F-E9DF-693862ECD8EB}"/>
+          </ac:spMkLst>
+        </pc:spChg>
+        <pc:spChg chg="mod">
+          <ac:chgData name="McCauley, Kathryn (NIH/NIAID) [C]" userId="8123e298-eaa7-4067-960e-8e9acda1581f" providerId="ADAL" clId="{74D3705F-D23E-574A-81CD-1A9C45B3E2A9}" dt="2024-10-09T16:30:03.971" v="10" actId="13926"/>
+          <ac:spMkLst>
+            <pc:docMk/>
+            <pc:sldMk cId="1538252808" sldId="257"/>
+            <ac:spMk id="41" creationId="{4BBB8E3F-4A02-A356-F3C5-CABCB9EA6EDB}"/>
+          </ac:spMkLst>
+        </pc:spChg>
+        <pc:spChg chg="mod">
+          <ac:chgData name="McCauley, Kathryn (NIH/NIAID) [C]" userId="8123e298-eaa7-4067-960e-8e9acda1581f" providerId="ADAL" clId="{74D3705F-D23E-574A-81CD-1A9C45B3E2A9}" dt="2024-10-09T16:30:36.642" v="27" actId="1076"/>
+          <ac:spMkLst>
+            <pc:docMk/>
+            <pc:sldMk cId="1538252808" sldId="257"/>
+            <ac:spMk id="1026" creationId="{CBB40510-E8B7-5137-BAB9-53AE83D04521}"/>
+          </ac:spMkLst>
+        </pc:spChg>
+        <pc:picChg chg="mod">
+          <ac:chgData name="McCauley, Kathryn (NIH/NIAID) [C]" userId="8123e298-eaa7-4067-960e-8e9acda1581f" providerId="ADAL" clId="{74D3705F-D23E-574A-81CD-1A9C45B3E2A9}" dt="2024-10-09T16:30:33.418" v="26" actId="1076"/>
+          <ac:picMkLst>
+            <pc:docMk/>
+            <pc:sldMk cId="1538252808" sldId="257"/>
+            <ac:picMk id="1024" creationId="{79802014-D1AC-7256-DFE2-DCBC10F1521D}"/>
+          </ac:picMkLst>
+        </pc:picChg>
+      </pc:sldChg>
+    </pc:docChg>
+  </pc:docChgLst>
+</pc:chgInfo>
 </file>
 
 <file path=ppt/slideLayouts/slideLayout1.xml><?xml version="1.0" encoding="utf-8"?>
@@ -251,7 +305,7 @@
           <a:p>
             <a:fld id="{DDCDFDCF-5B5E-9D4E-AA60-E7B60AA046F2}" type="datetimeFigureOut">
               <a:rPr lang="en-US" smtClean="0"/>
-              <a:t>10/8/24</a:t>
+              <a:t>10/9/24</a:t>
             </a:fld>
             <a:endParaRPr lang="en-US"/>
           </a:p>
@@ -421,7 +475,7 @@
           <a:p>
             <a:fld id="{DDCDFDCF-5B5E-9D4E-AA60-E7B60AA046F2}" type="datetimeFigureOut">
               <a:rPr lang="en-US" smtClean="0"/>
-              <a:t>10/8/24</a:t>
+              <a:t>10/9/24</a:t>
             </a:fld>
             <a:endParaRPr lang="en-US"/>
           </a:p>
@@ -601,7 +655,7 @@
           <a:p>
             <a:fld id="{DDCDFDCF-5B5E-9D4E-AA60-E7B60AA046F2}" type="datetimeFigureOut">
               <a:rPr lang="en-US" smtClean="0"/>
-              <a:t>10/8/24</a:t>
+              <a:t>10/9/24</a:t>
             </a:fld>
             <a:endParaRPr lang="en-US"/>
           </a:p>
@@ -771,7 +825,7 @@
           <a:p>
             <a:fld id="{DDCDFDCF-5B5E-9D4E-AA60-E7B60AA046F2}" type="datetimeFigureOut">
               <a:rPr lang="en-US" smtClean="0"/>
-              <a:t>10/8/24</a:t>
+              <a:t>10/9/24</a:t>
             </a:fld>
             <a:endParaRPr lang="en-US"/>
           </a:p>
@@ -1017,7 +1071,7 @@
           <a:p>
             <a:fld id="{DDCDFDCF-5B5E-9D4E-AA60-E7B60AA046F2}" type="datetimeFigureOut">
               <a:rPr lang="en-US" smtClean="0"/>
-              <a:t>10/8/24</a:t>
+              <a:t>10/9/24</a:t>
             </a:fld>
             <a:endParaRPr lang="en-US"/>
           </a:p>
@@ -1249,7 +1303,7 @@
           <a:p>
             <a:fld id="{DDCDFDCF-5B5E-9D4E-AA60-E7B60AA046F2}" type="datetimeFigureOut">
               <a:rPr lang="en-US" smtClean="0"/>
-              <a:t>10/8/24</a:t>
+              <a:t>10/9/24</a:t>
             </a:fld>
             <a:endParaRPr lang="en-US"/>
           </a:p>
@@ -1616,7 +1670,7 @@
           <a:p>
             <a:fld id="{DDCDFDCF-5B5E-9D4E-AA60-E7B60AA046F2}" type="datetimeFigureOut">
               <a:rPr lang="en-US" smtClean="0"/>
-              <a:t>10/8/24</a:t>
+              <a:t>10/9/24</a:t>
             </a:fld>
             <a:endParaRPr lang="en-US"/>
           </a:p>
@@ -1734,7 +1788,7 @@
           <a:p>
             <a:fld id="{DDCDFDCF-5B5E-9D4E-AA60-E7B60AA046F2}" type="datetimeFigureOut">
               <a:rPr lang="en-US" smtClean="0"/>
-              <a:t>10/8/24</a:t>
+              <a:t>10/9/24</a:t>
             </a:fld>
             <a:endParaRPr lang="en-US"/>
           </a:p>
@@ -1829,7 +1883,7 @@
           <a:p>
             <a:fld id="{DDCDFDCF-5B5E-9D4E-AA60-E7B60AA046F2}" type="datetimeFigureOut">
               <a:rPr lang="en-US" smtClean="0"/>
-              <a:t>10/8/24</a:t>
+              <a:t>10/9/24</a:t>
             </a:fld>
             <a:endParaRPr lang="en-US"/>
           </a:p>
@@ -2106,7 +2160,7 @@
           <a:p>
             <a:fld id="{DDCDFDCF-5B5E-9D4E-AA60-E7B60AA046F2}" type="datetimeFigureOut">
               <a:rPr lang="en-US" smtClean="0"/>
-              <a:t>10/8/24</a:t>
+              <a:t>10/9/24</a:t>
             </a:fld>
             <a:endParaRPr lang="en-US"/>
           </a:p>
@@ -2363,7 +2417,7 @@
           <a:p>
             <a:fld id="{DDCDFDCF-5B5E-9D4E-AA60-E7B60AA046F2}" type="datetimeFigureOut">
               <a:rPr lang="en-US" smtClean="0"/>
-              <a:t>10/8/24</a:t>
+              <a:t>10/9/24</a:t>
             </a:fld>
             <a:endParaRPr lang="en-US"/>
           </a:p>
@@ -2576,7 +2630,7 @@
           <a:p>
             <a:fld id="{DDCDFDCF-5B5E-9D4E-AA60-E7B60AA046F2}" type="datetimeFigureOut">
               <a:rPr lang="en-US" smtClean="0"/>
-              <a:t>10/8/24</a:t>
+              <a:t>10/9/24</a:t>
             </a:fld>
             <a:endParaRPr lang="en-US"/>
           </a:p>
@@ -4600,7 +4654,7 @@
         <p:spPr>
           <a:xfrm>
             <a:off x="6149522" y="22395152"/>
-            <a:ext cx="3193547" cy="1200329"/>
+            <a:ext cx="3193547" cy="276999"/>
           </a:xfrm>
           <a:prstGeom prst="rect">
             <a:avLst/>
@@ -4614,83 +4668,15 @@
           <a:lstStyle/>
           <a:p>
             <a:pPr algn="l"/>
-            <a:r>
-              <a:rPr lang="en-US" sz="1200" b="0" i="0" dirty="0" err="1">
-                <a:solidFill>
-                  <a:srgbClr val="212121"/>
-                </a:solidFill>
-                <a:effectLst/>
-                <a:highlight>
-                  <a:srgbClr val="FFFF00"/>
-                </a:highlight>
-                <a:latin typeface="Roboto" panose="02000000000000000000" pitchFamily="2" charset="0"/>
-              </a:rPr>
-              <a:t>Vujkovic-Cvijin</a:t>
-            </a:r>
             <a:r>
               <a:rPr lang="en-US" sz="1200" b="0" i="0" dirty="0">
                 <a:solidFill>
                   <a:srgbClr val="212121"/>
                 </a:solidFill>
                 <a:effectLst/>
-                <a:highlight>
-                  <a:srgbClr val="FFFF00"/>
-                </a:highlight>
-                <a:latin typeface="Roboto" panose="02000000000000000000" pitchFamily="2" charset="0"/>
-              </a:rPr>
-              <a:t> I, Welles HC, Ha CWY, et al. The systemic anti-microbiota IgG repertoire can identify gut bacteria that translocate across gut barrier surfaces. </a:t>
-            </a:r>
-            <a:r>
-              <a:rPr lang="en-US" sz="1200" b="0" i="1" dirty="0">
-                <a:solidFill>
-                  <a:srgbClr val="212121"/>
-                </a:solidFill>
-                <a:effectLst/>
-                <a:highlight>
-                  <a:srgbClr val="FFFF00"/>
-                </a:highlight>
-                <a:latin typeface="Roboto" panose="02000000000000000000" pitchFamily="2" charset="0"/>
-              </a:rPr>
-              <a:t>Sci </a:t>
-            </a:r>
-            <a:r>
-              <a:rPr lang="en-US" sz="1200" b="0" i="1" dirty="0" err="1">
-                <a:solidFill>
-                  <a:srgbClr val="212121"/>
-                </a:solidFill>
-                <a:effectLst/>
-                <a:highlight>
-                  <a:srgbClr val="FFFF00"/>
-                </a:highlight>
-                <a:latin typeface="Roboto" panose="02000000000000000000" pitchFamily="2" charset="0"/>
-              </a:rPr>
-              <a:t>Transl</a:t>
-            </a:r>
-            <a:r>
-              <a:rPr lang="en-US" sz="1200" b="0" i="1" dirty="0">
-                <a:solidFill>
-                  <a:srgbClr val="212121"/>
-                </a:solidFill>
-                <a:effectLst/>
-                <a:highlight>
-                  <a:srgbClr val="FFFF00"/>
-                </a:highlight>
-                <a:latin typeface="Roboto" panose="02000000000000000000" pitchFamily="2" charset="0"/>
-              </a:rPr>
-              <a:t> Med</a:t>
-            </a:r>
-            <a:r>
-              <a:rPr lang="en-US" sz="1200" b="0" i="0" dirty="0">
-                <a:solidFill>
-                  <a:srgbClr val="212121"/>
-                </a:solidFill>
-                <a:effectLst/>
-                <a:highlight>
-                  <a:srgbClr val="FFFF00"/>
-                </a:highlight>
-                <a:latin typeface="Roboto" panose="02000000000000000000" pitchFamily="2" charset="0"/>
-              </a:rPr>
-              <a:t>. 2022;14(658):eabl3927. doi:10.1126/scitranslmed.abl3927</a:t>
+                <a:latin typeface="Roboto" panose="02000000000000000000" pitchFamily="2" charset="0"/>
+              </a:rPr>
+              <a:t>Citation 1</a:t>
             </a:r>
           </a:p>
         </p:txBody>
@@ -4870,7 +4856,7 @@
         </p:blipFill>
         <p:spPr bwMode="auto">
           <a:xfrm>
-            <a:off x="871446" y="21353969"/>
+            <a:off x="2737772" y="21054235"/>
             <a:ext cx="3029203" cy="2788616"/>
           </a:xfrm>
           <a:prstGeom prst="rect">
@@ -4902,8 +4888,8 @@
         </p:nvSpPr>
         <p:spPr>
           <a:xfrm>
-            <a:off x="3933212" y="21406348"/>
-            <a:ext cx="1709428" cy="2308324"/>
+            <a:off x="2737772" y="23830824"/>
+            <a:ext cx="1709428" cy="276999"/>
           </a:xfrm>
           <a:prstGeom prst="rect">
             <a:avLst/>
@@ -4917,83 +4903,15 @@
           <a:lstStyle/>
           <a:p>
             <a:pPr algn="l"/>
-            <a:r>
-              <a:rPr lang="en-US" sz="1200" b="0" i="0" dirty="0" err="1">
-                <a:solidFill>
-                  <a:srgbClr val="212121"/>
-                </a:solidFill>
-                <a:effectLst/>
-                <a:highlight>
-                  <a:srgbClr val="FFFF00"/>
-                </a:highlight>
-                <a:latin typeface="Roboto" panose="02000000000000000000" pitchFamily="2" charset="0"/>
-              </a:rPr>
-              <a:t>Korem</a:t>
-            </a:r>
             <a:r>
               <a:rPr lang="en-US" sz="1200" b="0" i="0" dirty="0">
                 <a:solidFill>
                   <a:srgbClr val="212121"/>
                 </a:solidFill>
                 <a:effectLst/>
-                <a:highlight>
-                  <a:srgbClr val="FFFF00"/>
-                </a:highlight>
-                <a:latin typeface="Roboto" panose="02000000000000000000" pitchFamily="2" charset="0"/>
-              </a:rPr>
-              <a:t> T, </a:t>
-            </a:r>
-            <a:r>
-              <a:rPr lang="en-US" sz="1200" b="0" i="0" dirty="0" err="1">
-                <a:solidFill>
-                  <a:srgbClr val="212121"/>
-                </a:solidFill>
-                <a:effectLst/>
-                <a:highlight>
-                  <a:srgbClr val="FFFF00"/>
-                </a:highlight>
-                <a:latin typeface="Roboto" panose="02000000000000000000" pitchFamily="2" charset="0"/>
-              </a:rPr>
-              <a:t>Zeevi</a:t>
-            </a:r>
-            <a:r>
-              <a:rPr lang="en-US" sz="1200" b="0" i="0" dirty="0">
-                <a:solidFill>
-                  <a:srgbClr val="212121"/>
-                </a:solidFill>
-                <a:effectLst/>
-                <a:highlight>
-                  <a:srgbClr val="FFFF00"/>
-                </a:highlight>
-                <a:latin typeface="Roboto" panose="02000000000000000000" pitchFamily="2" charset="0"/>
-              </a:rPr>
-              <a:t> D, Suez J, et al. Growth dynamics of gut microbiota in health and disease inferred from single metagenomic samples. </a:t>
-            </a:r>
-            <a:r>
-              <a:rPr lang="en-US" sz="1200" b="0" i="1" dirty="0">
-                <a:solidFill>
-                  <a:srgbClr val="212121"/>
-                </a:solidFill>
-                <a:effectLst/>
-                <a:highlight>
-                  <a:srgbClr val="FFFF00"/>
-                </a:highlight>
-                <a:latin typeface="Roboto" panose="02000000000000000000" pitchFamily="2" charset="0"/>
-              </a:rPr>
-              <a:t>Science</a:t>
-            </a:r>
-            <a:r>
-              <a:rPr lang="en-US" sz="1200" b="0" i="0" dirty="0">
-                <a:solidFill>
-                  <a:srgbClr val="212121"/>
-                </a:solidFill>
-                <a:effectLst/>
-                <a:highlight>
-                  <a:srgbClr val="FFFF00"/>
-                </a:highlight>
-                <a:latin typeface="Roboto" panose="02000000000000000000" pitchFamily="2" charset="0"/>
-              </a:rPr>
-              <a:t>. 2015;349(6252):1101-1106. doi:10.1126/science.aac4812</a:t>
+                <a:latin typeface="Roboto" panose="02000000000000000000" pitchFamily="2" charset="0"/>
+              </a:rPr>
+              <a:t>Citation 2</a:t>
             </a:r>
           </a:p>
         </p:txBody>

--- a/CSHL_PPT_Poster_V2.pptx
+++ b/CSHL_PPT_Poster_V2.pptx
@@ -116,7 +116,7 @@
 <p1510:revInfo xmlns:a="http://schemas.openxmlformats.org/drawingml/2006/main" xmlns:r="http://schemas.openxmlformats.org/officeDocument/2006/relationships" xmlns:p1510="http://schemas.microsoft.com/office/powerpoint/2015/10/main">
   <p1510:revLst>
     <p1510:client id="{5AE76646-08D4-464D-814A-33706E6B22BC}" v="767" dt="2024-10-08T21:09:17.281"/>
-    <p1510:client id="{74D3705F-D23E-574A-81CD-1A9C45B3E2A9}" v="1" dt="2024-10-09T16:30:33.419"/>
+    <p1510:client id="{74D3705F-D23E-574A-81CD-1A9C45B3E2A9}" v="25" dt="2024-10-09T19:06:13.956"/>
   </p1510:revLst>
 </p1510:revInfo>
 </file>
@@ -126,18 +126,66 @@
   <pc:docChgLst>
     <pc:chgData name="McCauley, Kathryn (NIH/NIAID) [C]" userId="8123e298-eaa7-4067-960e-8e9acda1581f" providerId="ADAL" clId="{74D3705F-D23E-574A-81CD-1A9C45B3E2A9}"/>
     <pc:docChg chg="undo custSel modSld">
-      <pc:chgData name="McCauley, Kathryn (NIH/NIAID) [C]" userId="8123e298-eaa7-4067-960e-8e9acda1581f" providerId="ADAL" clId="{74D3705F-D23E-574A-81CD-1A9C45B3E2A9}" dt="2024-10-09T16:30:36.642" v="27" actId="1076"/>
+      <pc:chgData name="McCauley, Kathryn (NIH/NIAID) [C]" userId="8123e298-eaa7-4067-960e-8e9acda1581f" providerId="ADAL" clId="{74D3705F-D23E-574A-81CD-1A9C45B3E2A9}" dt="2024-10-09T19:15:56.889" v="1436" actId="20577"/>
       <pc:docMkLst>
         <pc:docMk/>
       </pc:docMkLst>
-      <pc:sldChg chg="modSp mod">
-        <pc:chgData name="McCauley, Kathryn (NIH/NIAID) [C]" userId="8123e298-eaa7-4067-960e-8e9acda1581f" providerId="ADAL" clId="{74D3705F-D23E-574A-81CD-1A9C45B3E2A9}" dt="2024-10-09T16:30:36.642" v="27" actId="1076"/>
+      <pc:sldChg chg="addSp delSp modSp mod">
+        <pc:chgData name="McCauley, Kathryn (NIH/NIAID) [C]" userId="8123e298-eaa7-4067-960e-8e9acda1581f" providerId="ADAL" clId="{74D3705F-D23E-574A-81CD-1A9C45B3E2A9}" dt="2024-10-09T19:15:56.889" v="1436" actId="20577"/>
         <pc:sldMkLst>
           <pc:docMk/>
           <pc:sldMk cId="1538252808" sldId="257"/>
         </pc:sldMkLst>
         <pc:spChg chg="mod">
-          <ac:chgData name="McCauley, Kathryn (NIH/NIAID) [C]" userId="8123e298-eaa7-4067-960e-8e9acda1581f" providerId="ADAL" clId="{74D3705F-D23E-574A-81CD-1A9C45B3E2A9}" dt="2024-10-09T16:30:12.144" v="13" actId="1076"/>
+          <ac:chgData name="McCauley, Kathryn (NIH/NIAID) [C]" userId="8123e298-eaa7-4067-960e-8e9acda1581f" providerId="ADAL" clId="{74D3705F-D23E-574A-81CD-1A9C45B3E2A9}" dt="2024-10-09T19:13:27.230" v="1393" actId="1036"/>
+          <ac:spMkLst>
+            <pc:docMk/>
+            <pc:sldMk cId="1538252808" sldId="257"/>
+            <ac:spMk id="8" creationId="{A42E6847-576C-A097-CCD7-C89F13DDB2CC}"/>
+          </ac:spMkLst>
+        </pc:spChg>
+        <pc:spChg chg="mod">
+          <ac:chgData name="McCauley, Kathryn (NIH/NIAID) [C]" userId="8123e298-eaa7-4067-960e-8e9acda1581f" providerId="ADAL" clId="{74D3705F-D23E-574A-81CD-1A9C45B3E2A9}" dt="2024-10-09T19:13:04.793" v="1384" actId="113"/>
+          <ac:spMkLst>
+            <pc:docMk/>
+            <pc:sldMk cId="1538252808" sldId="257"/>
+            <ac:spMk id="13" creationId="{12DE2103-9056-398D-06A1-53754FA9056A}"/>
+          </ac:spMkLst>
+        </pc:spChg>
+        <pc:spChg chg="mod">
+          <ac:chgData name="McCauley, Kathryn (NIH/NIAID) [C]" userId="8123e298-eaa7-4067-960e-8e9acda1581f" providerId="ADAL" clId="{74D3705F-D23E-574A-81CD-1A9C45B3E2A9}" dt="2024-10-09T19:01:32.827" v="803" actId="14100"/>
+          <ac:spMkLst>
+            <pc:docMk/>
+            <pc:sldMk cId="1538252808" sldId="257"/>
+            <ac:spMk id="14" creationId="{715A4D98-06EF-78A3-8E16-B37BE73A89F9}"/>
+          </ac:spMkLst>
+        </pc:spChg>
+        <pc:spChg chg="mod">
+          <ac:chgData name="McCauley, Kathryn (NIH/NIAID) [C]" userId="8123e298-eaa7-4067-960e-8e9acda1581f" providerId="ADAL" clId="{74D3705F-D23E-574A-81CD-1A9C45B3E2A9}" dt="2024-10-09T19:09:16.277" v="1246" actId="1038"/>
+          <ac:spMkLst>
+            <pc:docMk/>
+            <pc:sldMk cId="1538252808" sldId="257"/>
+            <ac:spMk id="17" creationId="{F0AFA188-8184-D96B-8D90-BBEA543E77CC}"/>
+          </ac:spMkLst>
+        </pc:spChg>
+        <pc:spChg chg="mod">
+          <ac:chgData name="McCauley, Kathryn (NIH/NIAID) [C]" userId="8123e298-eaa7-4067-960e-8e9acda1581f" providerId="ADAL" clId="{74D3705F-D23E-574A-81CD-1A9C45B3E2A9}" dt="2024-10-09T19:08:21.537" v="1219" actId="1076"/>
+          <ac:spMkLst>
+            <pc:docMk/>
+            <pc:sldMk cId="1538252808" sldId="257"/>
+            <ac:spMk id="19" creationId="{FEEF5A29-4482-94B4-F92E-5B93C6159EDF}"/>
+          </ac:spMkLst>
+        </pc:spChg>
+        <pc:spChg chg="mod">
+          <ac:chgData name="McCauley, Kathryn (NIH/NIAID) [C]" userId="8123e298-eaa7-4067-960e-8e9acda1581f" providerId="ADAL" clId="{74D3705F-D23E-574A-81CD-1A9C45B3E2A9}" dt="2024-10-09T19:02:02.859" v="821" actId="20577"/>
+          <ac:spMkLst>
+            <pc:docMk/>
+            <pc:sldMk cId="1538252808" sldId="257"/>
+            <ac:spMk id="20" creationId="{B67C3064-F341-4016-E50C-6FA672C0AA47}"/>
+          </ac:spMkLst>
+        </pc:spChg>
+        <pc:spChg chg="mod">
+          <ac:chgData name="McCauley, Kathryn (NIH/NIAID) [C]" userId="8123e298-eaa7-4067-960e-8e9acda1581f" providerId="ADAL" clId="{74D3705F-D23E-574A-81CD-1A9C45B3E2A9}" dt="2024-10-09T19:08:10.025" v="1218" actId="20577"/>
           <ac:spMkLst>
             <pc:docMk/>
             <pc:sldMk cId="1538252808" sldId="257"/>
@@ -145,7 +193,71 @@
           </ac:spMkLst>
         </pc:spChg>
         <pc:spChg chg="mod">
-          <ac:chgData name="McCauley, Kathryn (NIH/NIAID) [C]" userId="8123e298-eaa7-4067-960e-8e9acda1581f" providerId="ADAL" clId="{74D3705F-D23E-574A-81CD-1A9C45B3E2A9}" dt="2024-10-09T16:30:03.971" v="10" actId="13926"/>
+          <ac:chgData name="McCauley, Kathryn (NIH/NIAID) [C]" userId="8123e298-eaa7-4067-960e-8e9acda1581f" providerId="ADAL" clId="{74D3705F-D23E-574A-81CD-1A9C45B3E2A9}" dt="2024-10-09T19:13:27.230" v="1393" actId="1036"/>
+          <ac:spMkLst>
+            <pc:docMk/>
+            <pc:sldMk cId="1538252808" sldId="257"/>
+            <ac:spMk id="22" creationId="{E78A71C4-F697-E1B8-179F-12202F810773}"/>
+          </ac:spMkLst>
+        </pc:spChg>
+        <pc:spChg chg="mod">
+          <ac:chgData name="McCauley, Kathryn (NIH/NIAID) [C]" userId="8123e298-eaa7-4067-960e-8e9acda1581f" providerId="ADAL" clId="{74D3705F-D23E-574A-81CD-1A9C45B3E2A9}" dt="2024-10-09T19:08:21.537" v="1219" actId="1076"/>
+          <ac:spMkLst>
+            <pc:docMk/>
+            <pc:sldMk cId="1538252808" sldId="257"/>
+            <ac:spMk id="23" creationId="{8781B7B8-646E-9818-0982-F969F2790B87}"/>
+          </ac:spMkLst>
+        </pc:spChg>
+        <pc:spChg chg="mod">
+          <ac:chgData name="McCauley, Kathryn (NIH/NIAID) [C]" userId="8123e298-eaa7-4067-960e-8e9acda1581f" providerId="ADAL" clId="{74D3705F-D23E-574A-81CD-1A9C45B3E2A9}" dt="2024-10-09T18:55:15.852" v="637" actId="1037"/>
+          <ac:spMkLst>
+            <pc:docMk/>
+            <pc:sldMk cId="1538252808" sldId="257"/>
+            <ac:spMk id="24" creationId="{DF6DA714-FB9D-37CD-14CE-55DA6036E72D}"/>
+          </ac:spMkLst>
+        </pc:spChg>
+        <pc:spChg chg="add mod">
+          <ac:chgData name="McCauley, Kathryn (NIH/NIAID) [C]" userId="8123e298-eaa7-4067-960e-8e9acda1581f" providerId="ADAL" clId="{74D3705F-D23E-574A-81CD-1A9C45B3E2A9}" dt="2024-10-09T18:54:14.459" v="536" actId="6549"/>
+          <ac:spMkLst>
+            <pc:docMk/>
+            <pc:sldMk cId="1538252808" sldId="257"/>
+            <ac:spMk id="27" creationId="{AF6D06C7-C979-7653-9B0E-EA0068009844}"/>
+          </ac:spMkLst>
+        </pc:spChg>
+        <pc:spChg chg="mod">
+          <ac:chgData name="McCauley, Kathryn (NIH/NIAID) [C]" userId="8123e298-eaa7-4067-960e-8e9acda1581f" providerId="ADAL" clId="{74D3705F-D23E-574A-81CD-1A9C45B3E2A9}" dt="2024-10-09T19:08:21.537" v="1219" actId="1076"/>
+          <ac:spMkLst>
+            <pc:docMk/>
+            <pc:sldMk cId="1538252808" sldId="257"/>
+            <ac:spMk id="28" creationId="{A4FDDD30-2F46-30D5-FF7C-2FF7B4DA413C}"/>
+          </ac:spMkLst>
+        </pc:spChg>
+        <pc:spChg chg="add del mod">
+          <ac:chgData name="McCauley, Kathryn (NIH/NIAID) [C]" userId="8123e298-eaa7-4067-960e-8e9acda1581f" providerId="ADAL" clId="{74D3705F-D23E-574A-81CD-1A9C45B3E2A9}" dt="2024-10-09T18:57:07.857" v="704" actId="478"/>
+          <ac:spMkLst>
+            <pc:docMk/>
+            <pc:sldMk cId="1538252808" sldId="257"/>
+            <ac:spMk id="31" creationId="{02E31B3B-576D-3926-91AC-F7E28B4EAAF2}"/>
+          </ac:spMkLst>
+        </pc:spChg>
+        <pc:spChg chg="del">
+          <ac:chgData name="McCauley, Kathryn (NIH/NIAID) [C]" userId="8123e298-eaa7-4067-960e-8e9acda1581f" providerId="ADAL" clId="{74D3705F-D23E-574A-81CD-1A9C45B3E2A9}" dt="2024-10-09T18:47:58.094" v="132" actId="478"/>
+          <ac:spMkLst>
+            <pc:docMk/>
+            <pc:sldMk cId="1538252808" sldId="257"/>
+            <ac:spMk id="34" creationId="{540C48A3-5AA3-2086-AA4D-9E49E05DB767}"/>
+          </ac:spMkLst>
+        </pc:spChg>
+        <pc:spChg chg="del mod">
+          <ac:chgData name="McCauley, Kathryn (NIH/NIAID) [C]" userId="8123e298-eaa7-4067-960e-8e9acda1581f" providerId="ADAL" clId="{74D3705F-D23E-574A-81CD-1A9C45B3E2A9}" dt="2024-10-09T18:48:33.218" v="231" actId="478"/>
+          <ac:spMkLst>
+            <pc:docMk/>
+            <pc:sldMk cId="1538252808" sldId="257"/>
+            <ac:spMk id="39" creationId="{8EBB6C99-ADDD-5855-52DE-6817FFF4F9BA}"/>
+          </ac:spMkLst>
+        </pc:spChg>
+        <pc:spChg chg="mod">
+          <ac:chgData name="McCauley, Kathryn (NIH/NIAID) [C]" userId="8123e298-eaa7-4067-960e-8e9acda1581f" providerId="ADAL" clId="{74D3705F-D23E-574A-81CD-1A9C45B3E2A9}" dt="2024-10-09T19:04:35.050" v="1024" actId="14100"/>
           <ac:spMkLst>
             <pc:docMk/>
             <pc:sldMk cId="1538252808" sldId="257"/>
@@ -153,21 +265,229 @@
           </ac:spMkLst>
         </pc:spChg>
         <pc:spChg chg="mod">
-          <ac:chgData name="McCauley, Kathryn (NIH/NIAID) [C]" userId="8123e298-eaa7-4067-960e-8e9acda1581f" providerId="ADAL" clId="{74D3705F-D23E-574A-81CD-1A9C45B3E2A9}" dt="2024-10-09T16:30:36.642" v="27" actId="1076"/>
+          <ac:chgData name="McCauley, Kathryn (NIH/NIAID) [C]" userId="8123e298-eaa7-4067-960e-8e9acda1581f" providerId="ADAL" clId="{74D3705F-D23E-574A-81CD-1A9C45B3E2A9}" dt="2024-10-09T19:03:33.597" v="877" actId="1035"/>
+          <ac:spMkLst>
+            <pc:docMk/>
+            <pc:sldMk cId="1538252808" sldId="257"/>
+            <ac:spMk id="42" creationId="{BCAA0DB4-FC20-3C3C-C6F6-FA116F205340}"/>
+          </ac:spMkLst>
+        </pc:spChg>
+        <pc:spChg chg="add mod">
+          <ac:chgData name="McCauley, Kathryn (NIH/NIAID) [C]" userId="8123e298-eaa7-4067-960e-8e9acda1581f" providerId="ADAL" clId="{74D3705F-D23E-574A-81CD-1A9C45B3E2A9}" dt="2024-10-09T18:57:11.820" v="708" actId="2711"/>
+          <ac:spMkLst>
+            <pc:docMk/>
+            <pc:sldMk cId="1538252808" sldId="257"/>
+            <ac:spMk id="44" creationId="{4555B48F-E707-2CC5-4371-A410C0219888}"/>
+          </ac:spMkLst>
+        </pc:spChg>
+        <pc:spChg chg="mod">
+          <ac:chgData name="McCauley, Kathryn (NIH/NIAID) [C]" userId="8123e298-eaa7-4067-960e-8e9acda1581f" providerId="ADAL" clId="{74D3705F-D23E-574A-81CD-1A9C45B3E2A9}" dt="2024-10-09T19:13:27.230" v="1393" actId="1036"/>
+          <ac:spMkLst>
+            <pc:docMk/>
+            <pc:sldMk cId="1538252808" sldId="257"/>
+            <ac:spMk id="46" creationId="{1F5AA803-EB7B-4D90-1F1E-4CE8BA1AA2ED}"/>
+          </ac:spMkLst>
+        </pc:spChg>
+        <pc:spChg chg="mod">
+          <ac:chgData name="McCauley, Kathryn (NIH/NIAID) [C]" userId="8123e298-eaa7-4067-960e-8e9acda1581f" providerId="ADAL" clId="{74D3705F-D23E-574A-81CD-1A9C45B3E2A9}" dt="2024-10-09T19:14:56.421" v="1416" actId="113"/>
+          <ac:spMkLst>
+            <pc:docMk/>
+            <pc:sldMk cId="1538252808" sldId="257"/>
+            <ac:spMk id="49" creationId="{3D46B2F8-A0E3-F28C-D9A1-7CC6D3A5354B}"/>
+          </ac:spMkLst>
+        </pc:spChg>
+        <pc:spChg chg="mod">
+          <ac:chgData name="McCauley, Kathryn (NIH/NIAID) [C]" userId="8123e298-eaa7-4067-960e-8e9acda1581f" providerId="ADAL" clId="{74D3705F-D23E-574A-81CD-1A9C45B3E2A9}" dt="2024-10-09T19:14:47.709" v="1415" actId="113"/>
+          <ac:spMkLst>
+            <pc:docMk/>
+            <pc:sldMk cId="1538252808" sldId="257"/>
+            <ac:spMk id="50" creationId="{6EE87C16-53E2-2584-DE87-D931ED486B03}"/>
+          </ac:spMkLst>
+        </pc:spChg>
+        <pc:spChg chg="add del mod">
+          <ac:chgData name="McCauley, Kathryn (NIH/NIAID) [C]" userId="8123e298-eaa7-4067-960e-8e9acda1581f" providerId="ADAL" clId="{74D3705F-D23E-574A-81CD-1A9C45B3E2A9}" dt="2024-10-09T19:06:58.968" v="1172" actId="14100"/>
           <ac:spMkLst>
             <pc:docMk/>
             <pc:sldMk cId="1538252808" sldId="257"/>
             <ac:spMk id="1026" creationId="{CBB40510-E8B7-5137-BAB9-53AE83D04521}"/>
           </ac:spMkLst>
         </pc:spChg>
-        <pc:picChg chg="mod">
-          <ac:chgData name="McCauley, Kathryn (NIH/NIAID) [C]" userId="8123e298-eaa7-4067-960e-8e9acda1581f" providerId="ADAL" clId="{74D3705F-D23E-574A-81CD-1A9C45B3E2A9}" dt="2024-10-09T16:30:33.418" v="26" actId="1076"/>
+        <pc:spChg chg="add mod">
+          <ac:chgData name="McCauley, Kathryn (NIH/NIAID) [C]" userId="8123e298-eaa7-4067-960e-8e9acda1581f" providerId="ADAL" clId="{74D3705F-D23E-574A-81CD-1A9C45B3E2A9}" dt="2024-10-09T18:57:07.557" v="703" actId="1076"/>
+          <ac:spMkLst>
+            <pc:docMk/>
+            <pc:sldMk cId="1538252808" sldId="257"/>
+            <ac:spMk id="1027" creationId="{09AE2392-D271-D16B-DF43-EEBB60203367}"/>
+          </ac:spMkLst>
+        </pc:spChg>
+        <pc:spChg chg="add mod">
+          <ac:chgData name="McCauley, Kathryn (NIH/NIAID) [C]" userId="8123e298-eaa7-4067-960e-8e9acda1581f" providerId="ADAL" clId="{74D3705F-D23E-574A-81CD-1A9C45B3E2A9}" dt="2024-10-09T18:58:38.562" v="764" actId="1036"/>
+          <ac:spMkLst>
+            <pc:docMk/>
+            <pc:sldMk cId="1538252808" sldId="257"/>
+            <ac:spMk id="1035" creationId="{5D827B31-5A00-EAC3-DCDC-550751E940A0}"/>
+          </ac:spMkLst>
+        </pc:spChg>
+        <pc:spChg chg="mod">
+          <ac:chgData name="McCauley, Kathryn (NIH/NIAID) [C]" userId="8123e298-eaa7-4067-960e-8e9acda1581f" providerId="ADAL" clId="{74D3705F-D23E-574A-81CD-1A9C45B3E2A9}" dt="2024-10-09T18:51:36.574" v="498" actId="1035"/>
+          <ac:spMkLst>
+            <pc:docMk/>
+            <pc:sldMk cId="1538252808" sldId="257"/>
+            <ac:spMk id="1038" creationId="{FDFE1342-A66D-039B-B5AA-CE54206239DC}"/>
+          </ac:spMkLst>
+        </pc:spChg>
+        <pc:spChg chg="mod">
+          <ac:chgData name="McCauley, Kathryn (NIH/NIAID) [C]" userId="8123e298-eaa7-4067-960e-8e9acda1581f" providerId="ADAL" clId="{74D3705F-D23E-574A-81CD-1A9C45B3E2A9}" dt="2024-10-09T18:59:37.452" v="768" actId="207"/>
+          <ac:spMkLst>
+            <pc:docMk/>
+            <pc:sldMk cId="1538252808" sldId="257"/>
+            <ac:spMk id="1042" creationId="{A8BA2A78-B362-A075-4EDE-B3898128443F}"/>
+          </ac:spMkLst>
+        </pc:spChg>
+        <pc:spChg chg="mod">
+          <ac:chgData name="McCauley, Kathryn (NIH/NIAID) [C]" userId="8123e298-eaa7-4067-960e-8e9acda1581f" providerId="ADAL" clId="{74D3705F-D23E-574A-81CD-1A9C45B3E2A9}" dt="2024-10-09T18:59:37.452" v="768" actId="207"/>
+          <ac:spMkLst>
+            <pc:docMk/>
+            <pc:sldMk cId="1538252808" sldId="257"/>
+            <ac:spMk id="1043" creationId="{504A633B-5EAE-BE71-18B7-57FAEDE0B009}"/>
+          </ac:spMkLst>
+        </pc:spChg>
+        <pc:spChg chg="mod">
+          <ac:chgData name="McCauley, Kathryn (NIH/NIAID) [C]" userId="8123e298-eaa7-4067-960e-8e9acda1581f" providerId="ADAL" clId="{74D3705F-D23E-574A-81CD-1A9C45B3E2A9}" dt="2024-10-09T18:43:14.706" v="30" actId="20577"/>
+          <ac:spMkLst>
+            <pc:docMk/>
+            <pc:sldMk cId="1538252808" sldId="257"/>
+            <ac:spMk id="1049" creationId="{F5CEAACC-EC81-B1F4-D272-FAD40BB8C1B5}"/>
+          </ac:spMkLst>
+        </pc:spChg>
+        <pc:spChg chg="mod">
+          <ac:chgData name="McCauley, Kathryn (NIH/NIAID) [C]" userId="8123e298-eaa7-4067-960e-8e9acda1581f" providerId="ADAL" clId="{74D3705F-D23E-574A-81CD-1A9C45B3E2A9}" dt="2024-10-09T19:15:56.889" v="1436" actId="20577"/>
+          <ac:spMkLst>
+            <pc:docMk/>
+            <pc:sldMk cId="1538252808" sldId="257"/>
+            <ac:spMk id="1057" creationId="{31CE9A01-ECF3-3B21-723C-0AA742AAE434}"/>
+          </ac:spMkLst>
+        </pc:spChg>
+        <pc:spChg chg="mod">
+          <ac:chgData name="McCauley, Kathryn (NIH/NIAID) [C]" userId="8123e298-eaa7-4067-960e-8e9acda1581f" providerId="ADAL" clId="{74D3705F-D23E-574A-81CD-1A9C45B3E2A9}" dt="2024-10-09T18:58:34.730" v="763" actId="166"/>
+          <ac:spMkLst>
+            <pc:docMk/>
+            <pc:sldMk cId="1538252808" sldId="257"/>
+            <ac:spMk id="1058" creationId="{FB0E8DB1-25FA-A254-68F2-936406C7F8E4}"/>
+          </ac:spMkLst>
+        </pc:spChg>
+        <pc:spChg chg="mod">
+          <ac:chgData name="McCauley, Kathryn (NIH/NIAID) [C]" userId="8123e298-eaa7-4067-960e-8e9acda1581f" providerId="ADAL" clId="{74D3705F-D23E-574A-81CD-1A9C45B3E2A9}" dt="2024-10-09T19:08:21.537" v="1219" actId="1076"/>
+          <ac:spMkLst>
+            <pc:docMk/>
+            <pc:sldMk cId="1538252808" sldId="257"/>
+            <ac:spMk id="1065" creationId="{DA6F340A-EDF3-636C-B0C9-DFDD5BBED8F6}"/>
+          </ac:spMkLst>
+        </pc:spChg>
+        <pc:spChg chg="del">
+          <ac:chgData name="McCauley, Kathryn (NIH/NIAID) [C]" userId="8123e298-eaa7-4067-960e-8e9acda1581f" providerId="ADAL" clId="{74D3705F-D23E-574A-81CD-1A9C45B3E2A9}" dt="2024-10-09T18:49:05.663" v="267" actId="478"/>
+          <ac:spMkLst>
+            <pc:docMk/>
+            <pc:sldMk cId="1538252808" sldId="257"/>
+            <ac:spMk id="1067" creationId="{3C7E23B1-2DEE-3B61-7B04-0E8ED69E31EA}"/>
+          </ac:spMkLst>
+        </pc:spChg>
+        <pc:spChg chg="del">
+          <ac:chgData name="McCauley, Kathryn (NIH/NIAID) [C]" userId="8123e298-eaa7-4067-960e-8e9acda1581f" providerId="ADAL" clId="{74D3705F-D23E-574A-81CD-1A9C45B3E2A9}" dt="2024-10-09T18:44:58.918" v="34" actId="478"/>
+          <ac:spMkLst>
+            <pc:docMk/>
+            <pc:sldMk cId="1538252808" sldId="257"/>
+            <ac:spMk id="1069" creationId="{AD7ABC59-1F41-A32C-5654-7BDC319ED80C}"/>
+          </ac:spMkLst>
+        </pc:spChg>
+        <pc:spChg chg="mod">
+          <ac:chgData name="McCauley, Kathryn (NIH/NIAID) [C]" userId="8123e298-eaa7-4067-960e-8e9acda1581f" providerId="ADAL" clId="{74D3705F-D23E-574A-81CD-1A9C45B3E2A9}" dt="2024-10-09T19:08:43.219" v="1221" actId="1076"/>
+          <ac:spMkLst>
+            <pc:docMk/>
+            <pc:sldMk cId="1538252808" sldId="257"/>
+            <ac:spMk id="1084" creationId="{8F2D0482-62F7-5F76-3845-419B31A811D6}"/>
+          </ac:spMkLst>
+        </pc:spChg>
+        <pc:grpChg chg="mod">
+          <ac:chgData name="McCauley, Kathryn (NIH/NIAID) [C]" userId="8123e298-eaa7-4067-960e-8e9acda1581f" providerId="ADAL" clId="{74D3705F-D23E-574A-81CD-1A9C45B3E2A9}" dt="2024-10-09T18:59:37.452" v="768" actId="207"/>
+          <ac:grpSpMkLst>
+            <pc:docMk/>
+            <pc:sldMk cId="1538252808" sldId="257"/>
+            <ac:grpSpMk id="1044" creationId="{8A150E4E-5ED8-A5ED-BF2B-D8219901B0A1}"/>
+          </ac:grpSpMkLst>
+        </pc:grpChg>
+        <pc:picChg chg="add mod">
+          <ac:chgData name="McCauley, Kathryn (NIH/NIAID) [C]" userId="8123e298-eaa7-4067-960e-8e9acda1581f" providerId="ADAL" clId="{74D3705F-D23E-574A-81CD-1A9C45B3E2A9}" dt="2024-10-09T19:08:51.464" v="1232" actId="1035"/>
+          <ac:picMkLst>
+            <pc:docMk/>
+            <pc:sldMk cId="1538252808" sldId="257"/>
+            <ac:picMk id="4" creationId="{204CC11C-0002-7DC7-75C5-EF7392433A44}"/>
+          </ac:picMkLst>
+        </pc:picChg>
+        <pc:picChg chg="del">
+          <ac:chgData name="McCauley, Kathryn (NIH/NIAID) [C]" userId="8123e298-eaa7-4067-960e-8e9acda1581f" providerId="ADAL" clId="{74D3705F-D23E-574A-81CD-1A9C45B3E2A9}" dt="2024-10-09T18:47:59.531" v="133" actId="478"/>
+          <ac:picMkLst>
+            <pc:docMk/>
+            <pc:sldMk cId="1538252808" sldId="257"/>
+            <ac:picMk id="33" creationId="{E7741049-D82C-E140-9084-23CAC2283B13}"/>
+          </ac:picMkLst>
+        </pc:picChg>
+        <pc:picChg chg="del">
+          <ac:chgData name="McCauley, Kathryn (NIH/NIAID) [C]" userId="8123e298-eaa7-4067-960e-8e9acda1581f" providerId="ADAL" clId="{74D3705F-D23E-574A-81CD-1A9C45B3E2A9}" dt="2024-10-09T18:45:00.546" v="35" actId="478"/>
+          <ac:picMkLst>
+            <pc:docMk/>
+            <pc:sldMk cId="1538252808" sldId="257"/>
+            <ac:picMk id="38" creationId="{04DAFCF1-AF55-3FB6-20F3-5C42229C61D7}"/>
+          </ac:picMkLst>
+        </pc:picChg>
+        <pc:picChg chg="add del mod">
+          <ac:chgData name="McCauley, Kathryn (NIH/NIAID) [C]" userId="8123e298-eaa7-4067-960e-8e9acda1581f" providerId="ADAL" clId="{74D3705F-D23E-574A-81CD-1A9C45B3E2A9}" dt="2024-10-09T19:05:56.196" v="1035" actId="1076"/>
           <ac:picMkLst>
             <pc:docMk/>
             <pc:sldMk cId="1538252808" sldId="257"/>
             <ac:picMk id="1024" creationId="{79802014-D1AC-7256-DFE2-DCBC10F1521D}"/>
           </ac:picMkLst>
         </pc:picChg>
+        <pc:picChg chg="mod">
+          <ac:chgData name="McCauley, Kathryn (NIH/NIAID) [C]" userId="8123e298-eaa7-4067-960e-8e9acda1581f" providerId="ADAL" clId="{74D3705F-D23E-574A-81CD-1A9C45B3E2A9}" dt="2024-10-09T19:09:08.588" v="1233" actId="1076"/>
+          <ac:picMkLst>
+            <pc:docMk/>
+            <pc:sldMk cId="1538252808" sldId="257"/>
+            <ac:picMk id="1036" creationId="{712ECF84-C491-F649-6C6B-ADCB9AA57F59}"/>
+          </ac:picMkLst>
+        </pc:picChg>
+        <pc:picChg chg="add mod">
+          <ac:chgData name="McCauley, Kathryn (NIH/NIAID) [C]" userId="8123e298-eaa7-4067-960e-8e9acda1581f" providerId="ADAL" clId="{74D3705F-D23E-574A-81CD-1A9C45B3E2A9}" dt="2024-10-09T19:06:13.956" v="1038" actId="14100"/>
+          <ac:picMkLst>
+            <pc:docMk/>
+            <pc:sldMk cId="1538252808" sldId="257"/>
+            <ac:picMk id="1037" creationId="{32594F86-70B8-8039-3C3E-0D83EEFC604E}"/>
+          </ac:picMkLst>
+        </pc:picChg>
+        <pc:picChg chg="mod">
+          <ac:chgData name="McCauley, Kathryn (NIH/NIAID) [C]" userId="8123e298-eaa7-4067-960e-8e9acda1581f" providerId="ADAL" clId="{74D3705F-D23E-574A-81CD-1A9C45B3E2A9}" dt="2024-10-09T19:02:56.952" v="832" actId="1076"/>
+          <ac:picMkLst>
+            <pc:docMk/>
+            <pc:sldMk cId="1538252808" sldId="257"/>
+            <ac:picMk id="3078" creationId="{E30F5DAB-C139-E5A0-8D02-C0B111865725}"/>
+          </ac:picMkLst>
+        </pc:picChg>
+        <pc:cxnChg chg="mod">
+          <ac:chgData name="McCauley, Kathryn (NIH/NIAID) [C]" userId="8123e298-eaa7-4067-960e-8e9acda1581f" providerId="ADAL" clId="{74D3705F-D23E-574A-81CD-1A9C45B3E2A9}" dt="2024-10-09T18:51:36.574" v="498" actId="1035"/>
+          <ac:cxnSpMkLst>
+            <pc:docMk/>
+            <pc:sldMk cId="1538252808" sldId="257"/>
+            <ac:cxnSpMk id="12" creationId="{321A45FA-4B8E-8776-A3D7-3C7964632CF7}"/>
+          </ac:cxnSpMkLst>
+        </pc:cxnChg>
+        <pc:cxnChg chg="mod">
+          <ac:chgData name="McCauley, Kathryn (NIH/NIAID) [C]" userId="8123e298-eaa7-4067-960e-8e9acda1581f" providerId="ADAL" clId="{74D3705F-D23E-574A-81CD-1A9C45B3E2A9}" dt="2024-10-09T18:51:36.574" v="498" actId="1035"/>
+          <ac:cxnSpMkLst>
+            <pc:docMk/>
+            <pc:sldMk cId="1538252808" sldId="257"/>
+            <ac:cxnSpMk id="18" creationId="{393372E4-5F20-13A1-F526-21CB67EE5E2F}"/>
+          </ac:cxnSpMkLst>
+        </pc:cxnChg>
       </pc:sldChg>
     </pc:docChg>
   </pc:docChgLst>
@@ -3102,8 +3422,8 @@
         </p:nvSpPr>
         <p:spPr>
           <a:xfrm>
-            <a:off x="18436464" y="31322308"/>
-            <a:ext cx="21707856" cy="681975"/>
+            <a:off x="9819307" y="31309846"/>
+            <a:ext cx="30303739" cy="680012"/>
           </a:xfrm>
           <a:prstGeom prst="rect">
             <a:avLst/>
@@ -3275,7 +3595,7 @@
         </p:blipFill>
         <p:spPr bwMode="auto">
           <a:xfrm>
-            <a:off x="6186098" y="13604817"/>
+            <a:off x="6199458" y="12818993"/>
             <a:ext cx="2922508" cy="8731520"/>
           </a:xfrm>
           <a:prstGeom prst="rect">
@@ -3433,7 +3753,7 @@
         </p:nvSpPr>
         <p:spPr>
           <a:xfrm>
-            <a:off x="9819307" y="27470576"/>
+            <a:off x="9819307" y="27599168"/>
             <a:ext cx="2263761" cy="584775"/>
           </a:xfrm>
           <a:prstGeom prst="rect">
@@ -3515,7 +3835,7 @@
         </p:nvCxnSpPr>
         <p:spPr>
           <a:xfrm flipH="1">
-            <a:off x="26216682" y="28821521"/>
+            <a:off x="26216682" y="28613171"/>
             <a:ext cx="889309" cy="0"/>
           </a:xfrm>
           <a:prstGeom prst="straightConnector1">
@@ -3558,8 +3878,8 @@
         </p:nvSpPr>
         <p:spPr>
           <a:xfrm>
-            <a:off x="23316390" y="27224956"/>
-            <a:ext cx="3029134" cy="3170099"/>
+            <a:off x="23289474" y="26745753"/>
+            <a:ext cx="2927208" cy="4031873"/>
           </a:xfrm>
           <a:prstGeom prst="rect">
             <a:avLst/>
@@ -3573,28 +3893,60 @@
           <a:lstStyle/>
           <a:p>
             <a:r>
-              <a:rPr lang="en-US" sz="4000" dirty="0">
-                <a:latin typeface="Roboto" panose="02000000000000000000" pitchFamily="2" charset="0"/>
-                <a:ea typeface="Roboto" panose="02000000000000000000" pitchFamily="2" charset="0"/>
-                <a:cs typeface="Roboto" panose="02000000000000000000" pitchFamily="2" charset="0"/>
-              </a:rPr>
-              <a:t>Learn about previous </a:t>
-            </a:r>
-            <a:r>
-              <a:rPr lang="en-US" sz="4000" b="1" dirty="0">
-                <a:latin typeface="Roboto" panose="02000000000000000000" pitchFamily="2" charset="0"/>
-                <a:ea typeface="Roboto" panose="02000000000000000000" pitchFamily="2" charset="0"/>
-                <a:cs typeface="Roboto" panose="02000000000000000000" pitchFamily="2" charset="0"/>
-              </a:rPr>
-              <a:t>mechanistic research </a:t>
-            </a:r>
-            <a:r>
-              <a:rPr lang="en-US" sz="4000" dirty="0">
-                <a:latin typeface="Roboto" panose="02000000000000000000" pitchFamily="2" charset="0"/>
-                <a:ea typeface="Roboto" panose="02000000000000000000" pitchFamily="2" charset="0"/>
-                <a:cs typeface="Roboto" panose="02000000000000000000" pitchFamily="2" charset="0"/>
-              </a:rPr>
-              <a:t>in PI-ME/CFS!</a:t>
+              <a:rPr lang="en-US" sz="3200" dirty="0">
+                <a:latin typeface="Roboto" panose="02000000000000000000" pitchFamily="2" charset="0"/>
+                <a:ea typeface="Roboto" panose="02000000000000000000" pitchFamily="2" charset="0"/>
+                <a:cs typeface="Roboto" panose="02000000000000000000" pitchFamily="2" charset="0"/>
+              </a:rPr>
+              <a:t>Get a copy of the </a:t>
+            </a:r>
+            <a:r>
+              <a:rPr lang="en-US" sz="3200" b="1" dirty="0">
+                <a:latin typeface="Roboto" panose="02000000000000000000" pitchFamily="2" charset="0"/>
+                <a:ea typeface="Roboto" panose="02000000000000000000" pitchFamily="2" charset="0"/>
+                <a:cs typeface="Roboto" panose="02000000000000000000" pitchFamily="2" charset="0"/>
+              </a:rPr>
+              <a:t>poster</a:t>
+            </a:r>
+            <a:r>
+              <a:rPr lang="en-US" sz="3200" dirty="0">
+                <a:latin typeface="Roboto" panose="02000000000000000000" pitchFamily="2" charset="0"/>
+                <a:ea typeface="Roboto" panose="02000000000000000000" pitchFamily="2" charset="0"/>
+                <a:cs typeface="Roboto" panose="02000000000000000000" pitchFamily="2" charset="0"/>
+              </a:rPr>
+              <a:t>, see our </a:t>
+            </a:r>
+            <a:r>
+              <a:rPr lang="en-US" sz="3200" b="1" dirty="0">
+                <a:latin typeface="Roboto" panose="02000000000000000000" pitchFamily="2" charset="0"/>
+                <a:ea typeface="Roboto" panose="02000000000000000000" pitchFamily="2" charset="0"/>
+                <a:cs typeface="Roboto" panose="02000000000000000000" pitchFamily="2" charset="0"/>
+              </a:rPr>
+              <a:t>citations</a:t>
+            </a:r>
+            <a:r>
+              <a:rPr lang="en-US" sz="3200" dirty="0">
+                <a:latin typeface="Roboto" panose="02000000000000000000" pitchFamily="2" charset="0"/>
+                <a:ea typeface="Roboto" panose="02000000000000000000" pitchFamily="2" charset="0"/>
+                <a:cs typeface="Roboto" panose="02000000000000000000" pitchFamily="2" charset="0"/>
+              </a:rPr>
+              <a:t>, and explore </a:t>
+            </a:r>
+            <a:r>
+              <a:rPr lang="en-US" sz="3200" b="1" dirty="0">
+                <a:latin typeface="Roboto" panose="02000000000000000000" pitchFamily="2" charset="0"/>
+                <a:ea typeface="Roboto" panose="02000000000000000000" pitchFamily="2" charset="0"/>
+                <a:cs typeface="Roboto" panose="02000000000000000000" pitchFamily="2" charset="0"/>
+              </a:rPr>
+              <a:t>mechanistic</a:t>
+            </a:r>
+            <a:r>
+              <a:rPr lang="en-US" sz="3200" dirty="0">
+                <a:latin typeface="Roboto" panose="02000000000000000000" pitchFamily="2" charset="0"/>
+                <a:ea typeface="Roboto" panose="02000000000000000000" pitchFamily="2" charset="0"/>
+                <a:cs typeface="Roboto" panose="02000000000000000000" pitchFamily="2" charset="0"/>
+              </a:rPr>
+              <a:t> PI-ME/CFS research at NIH!</a:t>
             </a:r>
           </a:p>
         </p:txBody>
@@ -3613,7 +3965,7 @@
         </p:nvSpPr>
         <p:spPr>
           <a:xfrm>
-            <a:off x="31565799" y="26993426"/>
+            <a:off x="31751543" y="26785076"/>
             <a:ext cx="3050773" cy="3785652"/>
           </a:xfrm>
           <a:prstGeom prst="rect">
@@ -3670,7 +4022,7 @@
         </p:nvCxnSpPr>
         <p:spPr>
           <a:xfrm flipH="1" flipV="1">
-            <a:off x="34616572" y="28805196"/>
+            <a:off x="34616572" y="28596846"/>
             <a:ext cx="886369" cy="0"/>
           </a:xfrm>
           <a:prstGeom prst="straightConnector1">
@@ -3713,8 +4065,8 @@
         </p:nvSpPr>
         <p:spPr>
           <a:xfrm>
-            <a:off x="18509914" y="31331327"/>
-            <a:ext cx="21707856" cy="646331"/>
+            <a:off x="9929861" y="31364976"/>
+            <a:ext cx="30303739" cy="646331"/>
           </a:xfrm>
           <a:prstGeom prst="rect">
             <a:avLst/>
@@ -3737,7 +4089,103 @@
                 <a:ea typeface="Roboto" panose="02000000000000000000" pitchFamily="2" charset="0"/>
                 <a:cs typeface="Roboto" panose="02000000000000000000" pitchFamily="2" charset="0"/>
               </a:rPr>
-              <a:t>Funding to conduct study protocols was obtained from the NIH Common Fund. This project has been funded in part with Federal funds from the National Institute of Allergy and Infectious Diseases (NIAID), National Institutes of Health, Department of Health and Human Services under BCBB Support Services Contract HHSN316201300006W/75N93022F00001 to </a:t>
+              <a:t>Funding to conduct study protocols was obtained from the NIH Common Fund. We wish to acknowledge Martin </a:t>
+            </a:r>
+            <a:r>
+              <a:rPr lang="en-US" b="0" i="0" dirty="0" err="1">
+                <a:solidFill>
+                  <a:srgbClr val="333333"/>
+                </a:solidFill>
+                <a:effectLst/>
+                <a:latin typeface="Roboto" panose="02000000000000000000" pitchFamily="2" charset="0"/>
+                <a:ea typeface="Roboto" panose="02000000000000000000" pitchFamily="2" charset="0"/>
+                <a:cs typeface="Roboto" panose="02000000000000000000" pitchFamily="2" charset="0"/>
+              </a:rPr>
+              <a:t>Stengelin</a:t>
+            </a:r>
+            <a:r>
+              <a:rPr lang="en-US" b="0" i="0" dirty="0">
+                <a:solidFill>
+                  <a:srgbClr val="333333"/>
+                </a:solidFill>
+                <a:effectLst/>
+                <a:latin typeface="Roboto" panose="02000000000000000000" pitchFamily="2" charset="0"/>
+                <a:ea typeface="Roboto" panose="02000000000000000000" pitchFamily="2" charset="0"/>
+                <a:cs typeface="Roboto" panose="02000000000000000000" pitchFamily="2" charset="0"/>
+              </a:rPr>
+              <a:t>, </a:t>
+            </a:r>
+            <a:r>
+              <a:rPr lang="en-US" b="0" i="0" dirty="0" err="1">
+                <a:solidFill>
+                  <a:srgbClr val="333333"/>
+                </a:solidFill>
+                <a:effectLst/>
+                <a:latin typeface="Roboto" panose="02000000000000000000" pitchFamily="2" charset="0"/>
+                <a:ea typeface="Roboto" panose="02000000000000000000" pitchFamily="2" charset="0"/>
+                <a:cs typeface="Roboto" panose="02000000000000000000" pitchFamily="2" charset="0"/>
+              </a:rPr>
+              <a:t>Mingyue</a:t>
+            </a:r>
+            <a:r>
+              <a:rPr lang="en-US" b="0" i="0" dirty="0">
+                <a:solidFill>
+                  <a:srgbClr val="333333"/>
+                </a:solidFill>
+                <a:effectLst/>
+                <a:latin typeface="Roboto" panose="02000000000000000000" pitchFamily="2" charset="0"/>
+                <a:ea typeface="Roboto" panose="02000000000000000000" pitchFamily="2" charset="0"/>
+                <a:cs typeface="Roboto" panose="02000000000000000000" pitchFamily="2" charset="0"/>
+              </a:rPr>
+              <a:t> Wang, Anu Mathew, and George </a:t>
+            </a:r>
+            <a:r>
+              <a:rPr lang="en-US" b="0" i="0" dirty="0" err="1">
+                <a:solidFill>
+                  <a:srgbClr val="333333"/>
+                </a:solidFill>
+                <a:effectLst/>
+                <a:latin typeface="Roboto" panose="02000000000000000000" pitchFamily="2" charset="0"/>
+                <a:ea typeface="Roboto" panose="02000000000000000000" pitchFamily="2" charset="0"/>
+                <a:cs typeface="Roboto" panose="02000000000000000000" pitchFamily="2" charset="0"/>
+              </a:rPr>
+              <a:t>Sigal</a:t>
+            </a:r>
+            <a:r>
+              <a:rPr lang="en-US" b="0" i="0" dirty="0">
+                <a:solidFill>
+                  <a:srgbClr val="333333"/>
+                </a:solidFill>
+                <a:effectLst/>
+                <a:latin typeface="Roboto" panose="02000000000000000000" pitchFamily="2" charset="0"/>
+                <a:ea typeface="Roboto" panose="02000000000000000000" pitchFamily="2" charset="0"/>
+                <a:cs typeface="Roboto" panose="02000000000000000000" pitchFamily="2" charset="0"/>
+              </a:rPr>
+              <a:t> from </a:t>
+            </a:r>
+            <a:r>
+              <a:rPr lang="en-US" b="0" i="0" dirty="0" err="1">
+                <a:solidFill>
+                  <a:srgbClr val="333333"/>
+                </a:solidFill>
+                <a:effectLst/>
+                <a:latin typeface="Roboto" panose="02000000000000000000" pitchFamily="2" charset="0"/>
+                <a:ea typeface="Roboto" panose="02000000000000000000" pitchFamily="2" charset="0"/>
+                <a:cs typeface="Roboto" panose="02000000000000000000" pitchFamily="2" charset="0"/>
+              </a:rPr>
+              <a:t>MesoScale</a:t>
+            </a:r>
+            <a:r>
+              <a:rPr lang="en-US" b="0" i="0" dirty="0">
+                <a:solidFill>
+                  <a:srgbClr val="333333"/>
+                </a:solidFill>
+                <a:effectLst/>
+                <a:latin typeface="Roboto" panose="02000000000000000000" pitchFamily="2" charset="0"/>
+                <a:ea typeface="Roboto" panose="02000000000000000000" pitchFamily="2" charset="0"/>
+                <a:cs typeface="Roboto" panose="02000000000000000000" pitchFamily="2" charset="0"/>
+              </a:rPr>
+              <a:t> for cytokine analysis. This project has been funded in part with Federal funds from the National Institute of Allergy and Infectious Diseases (NIAID), National Institutes of Health, Department of Health and Human Services under BCBB Support Services Contract HHSN316201300006W/75N93022F00001 to </a:t>
             </a:r>
             <a:r>
               <a:rPr lang="en-US" b="0" i="0" dirty="0" err="1">
@@ -3830,6 +4278,14 @@
               </a:rPr>
               <a:t>, enrolled between 2016 and 2019 [NCT 02669212]</a:t>
             </a:r>
+            <a:r>
+              <a:rPr lang="en-US" sz="2000" baseline="30000" dirty="0">
+                <a:latin typeface="Roboto" panose="02000000000000000000" pitchFamily="2" charset="0"/>
+                <a:ea typeface="Roboto" panose="02000000000000000000" pitchFamily="2" charset="0"/>
+                <a:cs typeface="Roboto" panose="02000000000000000000" pitchFamily="2" charset="0"/>
+              </a:rPr>
+              <a:t>1</a:t>
+            </a:r>
           </a:p>
           <a:p>
             <a:pPr marL="285750" indent="-285750">
@@ -3920,6 +4376,14 @@
               </a:rPr>
               <a:t>and IgG-unbound bacteria</a:t>
             </a:r>
+            <a:r>
+              <a:rPr lang="en-US" sz="2000" baseline="30000" dirty="0">
+                <a:latin typeface="Roboto" panose="02000000000000000000" pitchFamily="2" charset="0"/>
+                <a:ea typeface="Roboto" panose="02000000000000000000" pitchFamily="2" charset="0"/>
+                <a:cs typeface="Roboto" panose="02000000000000000000" pitchFamily="2" charset="0"/>
+              </a:rPr>
+              <a:t>2</a:t>
+            </a:r>
           </a:p>
           <a:p>
             <a:pPr marL="285750" indent="-285750">
@@ -4139,6 +4603,14 @@
                 <a:cs typeface="Roboto" panose="02000000000000000000" pitchFamily="2" charset="0"/>
               </a:rPr>
               <a:t>)</a:t>
+            </a:r>
+            <a:r>
+              <a:rPr lang="en-US" sz="2000" baseline="30000" dirty="0">
+                <a:latin typeface="Roboto" panose="02000000000000000000" pitchFamily="2" charset="0"/>
+                <a:ea typeface="Roboto" panose="02000000000000000000" pitchFamily="2" charset="0"/>
+                <a:cs typeface="Roboto" panose="02000000000000000000" pitchFamily="2" charset="0"/>
+              </a:rPr>
+              <a:t>3,4</a:t>
             </a:r>
           </a:p>
         </p:txBody>
@@ -4653,8 +5125,8 @@
         </p:nvSpPr>
         <p:spPr>
           <a:xfrm>
-            <a:off x="6149522" y="22395152"/>
-            <a:ext cx="3193547" cy="276999"/>
+            <a:off x="6170036" y="21626758"/>
+            <a:ext cx="3130441" cy="276999"/>
           </a:xfrm>
           <a:prstGeom prst="rect">
             <a:avLst/>
@@ -4676,8 +5148,24 @@
                 <a:effectLst/>
                 <a:latin typeface="Roboto" panose="02000000000000000000" pitchFamily="2" charset="0"/>
               </a:rPr>
-              <a:t>Citation 1</a:t>
-            </a:r>
+              <a:t>Figure 1. </a:t>
+            </a:r>
+            <a:r>
+              <a:rPr lang="en-US" sz="1200" dirty="0">
+                <a:solidFill>
+                  <a:srgbClr val="212121"/>
+                </a:solidFill>
+                <a:latin typeface="Roboto" panose="02000000000000000000" pitchFamily="2" charset="0"/>
+              </a:rPr>
+              <a:t>IgG-seq protocol, from Citation 2.</a:t>
+            </a:r>
+            <a:endParaRPr lang="en-US" sz="1200" b="0" i="0" dirty="0">
+              <a:solidFill>
+                <a:srgbClr val="212121"/>
+              </a:solidFill>
+              <a:effectLst/>
+              <a:latin typeface="Roboto" panose="02000000000000000000" pitchFamily="2" charset="0"/>
+            </a:endParaRPr>
           </a:p>
         </p:txBody>
       </p:sp>
@@ -4824,7 +5312,15 @@
                 <a:ea typeface="Roboto" panose="02000000000000000000" pitchFamily="2" charset="0"/>
                 <a:cs typeface="Roboto" panose="02000000000000000000" pitchFamily="2" charset="0"/>
               </a:rPr>
-              <a:t>Gut Microbiota of PI-ME/CFS and Paired IgG-Negative Pools Exhibit Reduced Diversity</a:t>
+              <a:t>Gut Microbiota of PI-ME/CFS and Paired IgG-Negative Pools Exhibit </a:t>
+            </a:r>
+            <a:r>
+              <a:rPr lang="en-US" sz="4400" b="1" dirty="0">
+                <a:latin typeface="Roboto" panose="02000000000000000000" pitchFamily="2" charset="0"/>
+                <a:ea typeface="Roboto" panose="02000000000000000000" pitchFamily="2" charset="0"/>
+                <a:cs typeface="Roboto" panose="02000000000000000000" pitchFamily="2" charset="0"/>
+              </a:rPr>
+              <a:t>Reduced Diversity</a:t>
             </a:r>
           </a:p>
         </p:txBody>
@@ -4851,13 +5347,13 @@
               </a:ext>
             </a:extLst>
           </a:blip>
-          <a:srcRect r="46252" b="39873"/>
+          <a:srcRect t="1" r="46252" b="70355"/>
           <a:stretch/>
         </p:blipFill>
         <p:spPr bwMode="auto">
           <a:xfrm>
-            <a:off x="2737772" y="21054235"/>
-            <a:ext cx="3029203" cy="2788616"/>
+            <a:off x="345764" y="21671354"/>
+            <a:ext cx="3029203" cy="1374857"/>
           </a:xfrm>
           <a:prstGeom prst="rect">
             <a:avLst/>
@@ -4888,8 +5384,8 @@
         </p:nvSpPr>
         <p:spPr>
           <a:xfrm>
-            <a:off x="2737772" y="23830824"/>
-            <a:ext cx="1709428" cy="276999"/>
+            <a:off x="380269" y="23076466"/>
+            <a:ext cx="6070187" cy="276999"/>
           </a:xfrm>
           <a:prstGeom prst="rect">
             <a:avLst/>
@@ -4911,7 +5407,7 @@
                 <a:effectLst/>
                 <a:latin typeface="Roboto" panose="02000000000000000000" pitchFamily="2" charset="0"/>
               </a:rPr>
-              <a:t>Citation 2</a:t>
+              <a:t>Figure 2. Theory of Growth Rate estimation from metagenomic data, from Citation 3. </a:t>
             </a:r>
           </a:p>
         </p:txBody>
@@ -5156,7 +5652,23 @@
                   <a:ea typeface="Roboto" panose="02000000000000000000" pitchFamily="2" charset="0"/>
                   <a:cs typeface="Roboto" panose="02000000000000000000" pitchFamily="2" charset="0"/>
                 </a:rPr>
-                <a:t>Several Microbiota Members Have Differential IgG-Scores and Produce SCFAs</a:t>
+                <a:t>Several Microbiota Members Have Differential </a:t>
+              </a:r>
+              <a:r>
+                <a:rPr lang="en-US" sz="4800" b="1" dirty="0">
+                  <a:latin typeface="Roboto" panose="02000000000000000000" pitchFamily="2" charset="0"/>
+                  <a:ea typeface="Roboto" panose="02000000000000000000" pitchFamily="2" charset="0"/>
+                  <a:cs typeface="Roboto" panose="02000000000000000000" pitchFamily="2" charset="0"/>
+                </a:rPr>
+                <a:t>IgG Binding </a:t>
+              </a:r>
+              <a:r>
+                <a:rPr lang="en-US" sz="4800" dirty="0">
+                  <a:latin typeface="Roboto" panose="02000000000000000000" pitchFamily="2" charset="0"/>
+                  <a:ea typeface="Roboto" panose="02000000000000000000" pitchFamily="2" charset="0"/>
+                  <a:cs typeface="Roboto" panose="02000000000000000000" pitchFamily="2" charset="0"/>
+                </a:rPr>
+                <a:t>and Produce SCFAs</a:t>
               </a:r>
             </a:p>
           </p:txBody>
@@ -5844,7 +6356,7 @@
         </p:blipFill>
         <p:spPr>
           <a:xfrm>
-            <a:off x="35576500" y="26719408"/>
+            <a:off x="35502606" y="26594810"/>
             <a:ext cx="4114800" cy="4114800"/>
           </a:xfrm>
           <a:prstGeom prst="rect">
@@ -5866,7 +6378,7 @@
         </p:nvSpPr>
         <p:spPr>
           <a:xfrm>
-            <a:off x="36466526" y="30787500"/>
+            <a:off x="36466526" y="30579150"/>
             <a:ext cx="2318583" cy="369332"/>
           </a:xfrm>
           <a:prstGeom prst="rect">
@@ -5946,6 +6458,9 @@
             <a:chOff x="7606415" y="9115083"/>
             <a:chExt cx="886007" cy="777647"/>
           </a:xfrm>
+          <a:solidFill>
+            <a:srgbClr val="F2F2F2"/>
+          </a:solidFill>
         </p:grpSpPr>
         <p:sp>
           <p:nvSpPr>
@@ -6128,9 +6643,7 @@
                 </a:path>
               </a:pathLst>
             </a:custGeom>
-            <a:solidFill>
-              <a:schemeClr val="bg1"/>
-            </a:solidFill>
+            <a:grpFill/>
             <a:ln>
               <a:solidFill>
                 <a:schemeClr val="tx1"/>
@@ -6345,9 +6858,7 @@
                 </a:path>
               </a:pathLst>
             </a:custGeom>
-            <a:solidFill>
-              <a:schemeClr val="bg1"/>
-            </a:solidFill>
+            <a:grpFill/>
             <a:ln>
               <a:solidFill>
                 <a:schemeClr val="tx1"/>
@@ -6463,7 +6974,7 @@
                 <a:ea typeface="Roboto" panose="02000000000000000000" pitchFamily="2" charset="0"/>
                 <a:cs typeface="Roboto" panose="02000000000000000000" pitchFamily="2" charset="0"/>
               </a:rPr>
-              <a:t> Interrogating microbes that cross the intestinal barrier and carry markers of IgG may reveal potential mechanisms of ME/CFS</a:t>
+              <a:t> Interrogating microbes that cross the intestinal barrier and carry markers of IgG may reveal potential mechanisms of PI-ME/CFS</a:t>
             </a:r>
           </a:p>
         </p:txBody>
@@ -6510,46 +7021,15 @@
                 <a:ea typeface="Roboto" panose="02000000000000000000" pitchFamily="2" charset="0"/>
                 <a:cs typeface="Roboto" panose="02000000000000000000" pitchFamily="2" charset="0"/>
               </a:rPr>
-              <a:t>(A) ME/CFS gut microbiota exhibits reduced richness but not diversity. (B) The IgG-negative fraction has reduced richness and diversity compared to the Pre-sort and IgG-Positive fractions (c) This difference occurs in a condition specific manner across all three fractions. (d) Microbiota composition between ME/CFS and HV is distinct. (e) Canberra composition of all three fractions, linking within-subject samples. (f) Typically, IgG Negative fractions are compositionally-distinct from Pre-sort and IgG-Positive fractions, with no difference between ME/CFS and HV.</a:t>
-            </a:r>
-          </a:p>
-        </p:txBody>
-      </p:sp>
-      <p:sp>
-        <p:nvSpPr>
-          <p:cNvPr id="1058" name="TextBox 1057">
-            <a:extLst>
-              <a:ext uri="{FF2B5EF4-FFF2-40B4-BE49-F238E27FC236}">
-                <a16:creationId xmlns:a16="http://schemas.microsoft.com/office/drawing/2014/main" id="{FB0E8DB1-25FA-A254-68F2-936406C7F8E4}"/>
-              </a:ext>
-            </a:extLst>
-          </p:cNvPr>
-          <p:cNvSpPr txBox="1"/>
-          <p:nvPr/>
-        </p:nvSpPr>
-        <p:spPr>
-          <a:xfrm>
-            <a:off x="34952426" y="9819200"/>
-            <a:ext cx="2616486" cy="4031873"/>
-          </a:xfrm>
-          <a:prstGeom prst="rect">
-            <a:avLst/>
-          </a:prstGeom>
-          <a:noFill/>
-        </p:spPr>
-        <p:txBody>
-          <a:bodyPr wrap="square" rtlCol="0">
-            <a:spAutoFit/>
-          </a:bodyPr>
-          <a:lstStyle/>
-          <a:p>
-            <a:r>
-              <a:rPr lang="en-US" sz="1600" b="1" dirty="0">
-                <a:latin typeface="Roboto" panose="02000000000000000000" pitchFamily="2" charset="0"/>
-                <a:ea typeface="Roboto" panose="02000000000000000000" pitchFamily="2" charset="0"/>
-                <a:cs typeface="Roboto" panose="02000000000000000000" pitchFamily="2" charset="0"/>
-              </a:rPr>
-              <a:t>Figure 2. </a:t>
+              <a:t>(A</a:t>
+            </a:r>
+            <a:r>
+              <a:rPr lang="en-US" sz="1600">
+                <a:latin typeface="Roboto" panose="02000000000000000000" pitchFamily="2" charset="0"/>
+                <a:ea typeface="Roboto" panose="02000000000000000000" pitchFamily="2" charset="0"/>
+                <a:cs typeface="Roboto" panose="02000000000000000000" pitchFamily="2" charset="0"/>
+              </a:rPr>
+              <a:t>) PI-ME</a:t>
             </a:r>
             <a:r>
               <a:rPr lang="en-US" sz="1600" dirty="0">
@@ -6557,23 +7037,7 @@
                 <a:ea typeface="Roboto" panose="02000000000000000000" pitchFamily="2" charset="0"/>
                 <a:cs typeface="Roboto" panose="02000000000000000000" pitchFamily="2" charset="0"/>
               </a:rPr>
-              <a:t>Differential IgG scores were observed between HV and ME/CFS for 20 bacterial taxa. Taxa are sorted by the magnitude of difference between ME/CFS and HV. Points represent the IgG Score, with positive values indicating relatively increased IgG response for that taxon and negative values indicating decreased IgG response. Results are from a linear model with </a:t>
-            </a:r>
-            <a:r>
-              <a:rPr lang="en-US" sz="1600" i="1" dirty="0">
-                <a:latin typeface="Roboto" panose="02000000000000000000" pitchFamily="2" charset="0"/>
-                <a:ea typeface="Roboto" panose="02000000000000000000" pitchFamily="2" charset="0"/>
-                <a:cs typeface="Roboto" panose="02000000000000000000" pitchFamily="2" charset="0"/>
-              </a:rPr>
-              <a:t>p</a:t>
-            </a:r>
-            <a:r>
-              <a:rPr lang="en-US" sz="1600" dirty="0">
-                <a:latin typeface="Roboto" panose="02000000000000000000" pitchFamily="2" charset="0"/>
-                <a:ea typeface="Roboto" panose="02000000000000000000" pitchFamily="2" charset="0"/>
-                <a:cs typeface="Roboto" panose="02000000000000000000" pitchFamily="2" charset="0"/>
-              </a:rPr>
-              <a:t> value &lt; 0.05.</a:t>
+              <a:t>/CFS gut microbiota exhibits reduced richness but not diversity. (B) The IgG-negative fraction has reduced richness and diversity compared to the Pre-sort and IgG-Positive fractions (c) This difference occurs in a condition specific manner across all three fractions. (d) Microbiota composition between PI-ME/CFS and HV is distinct. (e) Canberra composition of all three fractions, linking within-subject samples. (f) IgG Negative fractions are compositionally-distinct from Pre-sort and IgG-Positive fractions, with no difference between PI-ME/CFS and HV.</a:t>
             </a:r>
           </a:p>
         </p:txBody>
@@ -7116,8 +7580,8 @@
         </p:nvSpPr>
         <p:spPr>
           <a:xfrm>
-            <a:off x="35488758" y="20004085"/>
-            <a:ext cx="3122871" cy="4278094"/>
+            <a:off x="35611951" y="19791735"/>
+            <a:ext cx="2894887" cy="4770537"/>
           </a:xfrm>
           <a:prstGeom prst="rect">
             <a:avLst/>
@@ -7144,7 +7608,7 @@
                 <a:ea typeface="Roboto" panose="02000000000000000000" pitchFamily="2" charset="0"/>
                 <a:cs typeface="Roboto" panose="02000000000000000000" pitchFamily="2" charset="0"/>
               </a:rPr>
-              <a:t>Peak-to-Trough Ratios (PTRs) for taxa with differential translocation effects are higher in Healthy Volunteers than ME/CFS. Points indicate the Mean Difference in PTR, with the IgG effect size (see Figure 2) represented by the size of the circle. Red indicates that the difference in PTR between groups exhibited modest trends (</a:t>
+              <a:t>Peak-to-Trough Ratios (PTRs) for taxa with differential translocation effects are higher in Healthy Volunteers than PI-ME/CFS. Points indicate the Mean Difference in PTR, with the IgG effect size (see Figure 2) represented by the size of the circle. Red indicates that the difference in PTR between groups exhibited modest trends (</a:t>
             </a:r>
             <a:r>
               <a:rPr lang="en-US" sz="1600" i="1" dirty="0">
@@ -7254,8 +7718,8 @@
         </p:nvSpPr>
         <p:spPr>
           <a:xfrm>
-            <a:off x="10077603" y="28134518"/>
-            <a:ext cx="8054711" cy="1938992"/>
+            <a:off x="10077603" y="28263110"/>
+            <a:ext cx="12361146" cy="1323439"/>
           </a:xfrm>
           <a:prstGeom prst="rect">
             <a:avLst/>
@@ -7441,8 +7905,8 @@
         </p:nvSpPr>
         <p:spPr>
           <a:xfrm>
-            <a:off x="10077227" y="30192186"/>
-            <a:ext cx="8054711" cy="1015663"/>
+            <a:off x="10077603" y="29711259"/>
+            <a:ext cx="12361146" cy="707886"/>
           </a:xfrm>
           <a:prstGeom prst="rect">
             <a:avLst/>
@@ -8134,8 +8598,8 @@
         </p:nvSpPr>
         <p:spPr>
           <a:xfrm>
-            <a:off x="27928460" y="25354470"/>
-            <a:ext cx="984500" cy="369332"/>
+            <a:off x="27801135" y="25354470"/>
+            <a:ext cx="1255408" cy="369332"/>
           </a:xfrm>
           <a:prstGeom prst="rect">
             <a:avLst/>
@@ -8150,7 +8614,7 @@
           <a:p>
             <a:r>
               <a:rPr lang="en-US" dirty="0"/>
-              <a:t>ME/CFS</a:t>
+              <a:t>PI-ME/CFS</a:t>
             </a:r>
           </a:p>
         </p:txBody>
@@ -8204,7 +8668,7 @@
         </p:nvSpPr>
         <p:spPr>
           <a:xfrm>
-            <a:off x="403034" y="24302467"/>
+            <a:off x="382748" y="23471577"/>
             <a:ext cx="2464136" cy="584775"/>
           </a:xfrm>
           <a:prstGeom prst="rect">
@@ -8244,7 +8708,7 @@
         </p:nvSpPr>
         <p:spPr>
           <a:xfrm>
-            <a:off x="783774" y="24924991"/>
+            <a:off x="763488" y="24094101"/>
             <a:ext cx="7771029" cy="707886"/>
           </a:xfrm>
           <a:prstGeom prst="rect">
@@ -8283,7 +8747,7 @@
         </p:nvSpPr>
         <p:spPr>
           <a:xfrm>
-            <a:off x="783774" y="25838404"/>
+            <a:off x="763488" y="25007514"/>
             <a:ext cx="7771029" cy="1015663"/>
           </a:xfrm>
           <a:prstGeom prst="rect">
@@ -8304,150 +8768,6 @@
                 <a:cs typeface="Roboto" panose="02000000000000000000" pitchFamily="2" charset="0"/>
               </a:rPr>
               <a:t>These taxa correlate with both plasma and cerebrospinal fluid cytokines, indicating that translocation of these microbes may initiate a response of the immune system</a:t>
-            </a:r>
-          </a:p>
-        </p:txBody>
-      </p:sp>
-      <p:pic>
-        <p:nvPicPr>
-          <p:cNvPr id="33" name="Picture 32">
-            <a:extLst>
-              <a:ext uri="{FF2B5EF4-FFF2-40B4-BE49-F238E27FC236}">
-                <a16:creationId xmlns:a16="http://schemas.microsoft.com/office/drawing/2014/main" id="{E7741049-D82C-E140-9084-23CAC2283B13}"/>
-              </a:ext>
-            </a:extLst>
-          </p:cNvPr>
-          <p:cNvPicPr>
-            <a:picLocks noChangeAspect="1"/>
-          </p:cNvPicPr>
-          <p:nvPr/>
-        </p:nvPicPr>
-        <p:blipFill>
-          <a:blip r:embed="rId32"/>
-          <a:stretch>
-            <a:fillRect/>
-          </a:stretch>
-        </p:blipFill>
-        <p:spPr>
-          <a:xfrm>
-            <a:off x="27176823" y="26760058"/>
-            <a:ext cx="4118633" cy="4118633"/>
-          </a:xfrm>
-          <a:prstGeom prst="rect">
-            <a:avLst/>
-          </a:prstGeom>
-        </p:spPr>
-      </p:pic>
-      <p:sp>
-        <p:nvSpPr>
-          <p:cNvPr id="34" name="TextBox 33">
-            <a:extLst>
-              <a:ext uri="{FF2B5EF4-FFF2-40B4-BE49-F238E27FC236}">
-                <a16:creationId xmlns:a16="http://schemas.microsoft.com/office/drawing/2014/main" id="{540C48A3-5AA3-2086-AA4D-9E49E05DB767}"/>
-              </a:ext>
-            </a:extLst>
-          </p:cNvPr>
-          <p:cNvSpPr txBox="1"/>
-          <p:nvPr/>
-        </p:nvSpPr>
-        <p:spPr>
-          <a:xfrm>
-            <a:off x="28072074" y="30834208"/>
-            <a:ext cx="2367379" cy="369332"/>
-          </a:xfrm>
-          <a:prstGeom prst="rect">
-            <a:avLst/>
-          </a:prstGeom>
-          <a:noFill/>
-        </p:spPr>
-        <p:txBody>
-          <a:bodyPr wrap="none" rtlCol="0">
-            <a:spAutoFit/>
-          </a:bodyPr>
-          <a:lstStyle/>
-          <a:p>
-            <a:r>
-              <a:rPr lang="en-US" dirty="0"/>
-              <a:t>PubMed ID: 38383456</a:t>
-            </a:r>
-          </a:p>
-        </p:txBody>
-      </p:sp>
-      <p:pic>
-        <p:nvPicPr>
-          <p:cNvPr id="38" name="Picture 37">
-            <a:extLst>
-              <a:ext uri="{FF2B5EF4-FFF2-40B4-BE49-F238E27FC236}">
-                <a16:creationId xmlns:a16="http://schemas.microsoft.com/office/drawing/2014/main" id="{04DAFCF1-AF55-3FB6-20F3-5C42229C61D7}"/>
-              </a:ext>
-            </a:extLst>
-          </p:cNvPr>
-          <p:cNvPicPr>
-            <a:picLocks noChangeAspect="1"/>
-          </p:cNvPicPr>
-          <p:nvPr/>
-        </p:nvPicPr>
-        <p:blipFill>
-          <a:blip r:embed="rId33">
-            <a:duotone>
-              <a:prstClr val="black"/>
-              <a:prstClr val="black">
-                <a:tint val="45000"/>
-                <a:satMod val="400000"/>
-              </a:prstClr>
-            </a:duotone>
-            <a:alphaModFix amt="35000"/>
-          </a:blip>
-          <a:stretch>
-            <a:fillRect/>
-          </a:stretch>
-        </p:blipFill>
-        <p:spPr>
-          <a:xfrm>
-            <a:off x="19419413" y="28522801"/>
-            <a:ext cx="2609124" cy="2609124"/>
-          </a:xfrm>
-          <a:prstGeom prst="rect">
-            <a:avLst/>
-          </a:prstGeom>
-        </p:spPr>
-      </p:pic>
-      <p:sp>
-        <p:nvSpPr>
-          <p:cNvPr id="39" name="TextBox 38">
-            <a:extLst>
-              <a:ext uri="{FF2B5EF4-FFF2-40B4-BE49-F238E27FC236}">
-                <a16:creationId xmlns:a16="http://schemas.microsoft.com/office/drawing/2014/main" id="{8EBB6C99-ADDD-5855-52DE-6817FFF4F9BA}"/>
-              </a:ext>
-            </a:extLst>
-          </p:cNvPr>
-          <p:cNvSpPr txBox="1"/>
-          <p:nvPr/>
-        </p:nvSpPr>
-        <p:spPr>
-          <a:xfrm>
-            <a:off x="19448200" y="27827388"/>
-            <a:ext cx="2488679" cy="707886"/>
-          </a:xfrm>
-          <a:prstGeom prst="rect">
-            <a:avLst/>
-          </a:prstGeom>
-          <a:noFill/>
-        </p:spPr>
-        <p:txBody>
-          <a:bodyPr wrap="square" rtlCol="0">
-            <a:spAutoFit/>
-          </a:bodyPr>
-          <a:lstStyle/>
-          <a:p>
-            <a:pPr algn="ctr"/>
-            <a:r>
-              <a:rPr lang="en-US" sz="4000" dirty="0">
-                <a:latin typeface="Roboto" panose="02000000000000000000" pitchFamily="2" charset="0"/>
-                <a:ea typeface="Roboto" panose="02000000000000000000" pitchFamily="2" charset="0"/>
-                <a:cs typeface="Roboto" panose="02000000000000000000" pitchFamily="2" charset="0"/>
-              </a:rPr>
-              <a:t>Citations</a:t>
             </a:r>
           </a:p>
         </p:txBody>
@@ -8466,7 +8786,7 @@
         </p:nvSpPr>
         <p:spPr>
           <a:xfrm>
-            <a:off x="6294208" y="13604817"/>
+            <a:off x="6294208" y="12876143"/>
             <a:ext cx="275661" cy="408489"/>
           </a:xfrm>
           <a:prstGeom prst="rect">
@@ -8570,7 +8890,7 @@
         </p:nvSpPr>
         <p:spPr>
           <a:xfrm>
-            <a:off x="762722" y="27068812"/>
+            <a:off x="742436" y="26237922"/>
             <a:ext cx="7771029" cy="1015663"/>
           </a:xfrm>
           <a:prstGeom prst="rect">
@@ -8590,119 +8910,8 @@
                 <a:ea typeface="Roboto" panose="02000000000000000000" pitchFamily="2" charset="0"/>
                 <a:cs typeface="Roboto" panose="02000000000000000000" pitchFamily="2" charset="0"/>
               </a:rPr>
-              <a:t>Preliminary evidence suggests that IgG-targeted microbes have increased metabolic activity in Healthy Volunteers, which was not present in the microbiota from ME/CFS participants</a:t>
-            </a:r>
-          </a:p>
-        </p:txBody>
-      </p:sp>
-      <p:sp>
-        <p:nvSpPr>
-          <p:cNvPr id="1067" name="TextBox 1066">
-            <a:extLst>
-              <a:ext uri="{FF2B5EF4-FFF2-40B4-BE49-F238E27FC236}">
-                <a16:creationId xmlns:a16="http://schemas.microsoft.com/office/drawing/2014/main" id="{3C7E23B1-2DEE-3B61-7B04-0E8ED69E31EA}"/>
-              </a:ext>
-            </a:extLst>
-          </p:cNvPr>
-          <p:cNvSpPr txBox="1"/>
-          <p:nvPr/>
-        </p:nvSpPr>
-        <p:spPr>
-          <a:xfrm>
-            <a:off x="33283554" y="24495955"/>
-            <a:ext cx="4479626" cy="1815882"/>
-          </a:xfrm>
-          <a:prstGeom prst="rect">
-            <a:avLst/>
-          </a:prstGeom>
-          <a:noFill/>
-        </p:spPr>
-        <p:txBody>
-          <a:bodyPr wrap="square" rtlCol="0">
-            <a:spAutoFit/>
-          </a:bodyPr>
-          <a:lstStyle/>
-          <a:p>
-            <a:r>
-              <a:rPr lang="en-US" sz="1400" b="1" dirty="0">
-                <a:highlight>
-                  <a:srgbClr val="FFFF00"/>
-                </a:highlight>
-                <a:latin typeface="Roboto" panose="02000000000000000000" pitchFamily="2" charset="0"/>
-                <a:ea typeface="Roboto" panose="02000000000000000000" pitchFamily="2" charset="0"/>
-                <a:cs typeface="Roboto" panose="02000000000000000000" pitchFamily="2" charset="0"/>
-              </a:rPr>
-              <a:t>This message will be removed before the poster is printed: I’ve re-done this figure to include differential PTRs for ALL genomes that mapped at 100% identity. I was previously attempting to identify a “best” mapping between 16S and genomes using various scoring factors, but it wasn’t perfect. I feel that it is more honest to the data, and tells the same story with more confidence behind it.</a:t>
-            </a:r>
-            <a:endParaRPr lang="en-US" sz="1400" dirty="0">
-              <a:highlight>
-                <a:srgbClr val="FFFF00"/>
-              </a:highlight>
-              <a:latin typeface="Roboto" panose="02000000000000000000" pitchFamily="2" charset="0"/>
-              <a:ea typeface="Roboto" panose="02000000000000000000" pitchFamily="2" charset="0"/>
-              <a:cs typeface="Roboto" panose="02000000000000000000" pitchFamily="2" charset="0"/>
-            </a:endParaRPr>
-          </a:p>
-        </p:txBody>
-      </p:sp>
-      <p:sp>
-        <p:nvSpPr>
-          <p:cNvPr id="1069" name="TextBox 1068">
-            <a:extLst>
-              <a:ext uri="{FF2B5EF4-FFF2-40B4-BE49-F238E27FC236}">
-                <a16:creationId xmlns:a16="http://schemas.microsoft.com/office/drawing/2014/main" id="{AD7ABC59-1F41-A32C-5654-7BDC319ED80C}"/>
-              </a:ext>
-            </a:extLst>
-          </p:cNvPr>
-          <p:cNvSpPr txBox="1"/>
-          <p:nvPr/>
-        </p:nvSpPr>
-        <p:spPr>
-          <a:xfrm>
-            <a:off x="19917195" y="29187962"/>
-            <a:ext cx="1869379" cy="1569660"/>
-          </a:xfrm>
-          <a:prstGeom prst="rect">
-            <a:avLst/>
-          </a:prstGeom>
-          <a:noFill/>
-        </p:spPr>
-        <p:txBody>
-          <a:bodyPr wrap="square" rtlCol="0">
-            <a:spAutoFit/>
-          </a:bodyPr>
-          <a:lstStyle/>
-          <a:p>
-            <a:r>
-              <a:rPr lang="en-US" sz="1600" b="1" dirty="0">
-                <a:highlight>
-                  <a:srgbClr val="FFFF00"/>
-                </a:highlight>
-                <a:latin typeface="Roboto" panose="02000000000000000000" pitchFamily="2" charset="0"/>
-                <a:ea typeface="Roboto" panose="02000000000000000000" pitchFamily="2" charset="0"/>
-                <a:cs typeface="Roboto" panose="02000000000000000000" pitchFamily="2" charset="0"/>
-              </a:rPr>
-              <a:t>Currently points to ME/CFS Manuscript. Jen, what did you use for your citation-sharing </a:t>
-            </a:r>
-            <a:r>
-              <a:rPr lang="en-US" sz="1600" b="1">
-                <a:highlight>
-                  <a:srgbClr val="FFFF00"/>
-                </a:highlight>
-                <a:latin typeface="Roboto" panose="02000000000000000000" pitchFamily="2" charset="0"/>
-                <a:ea typeface="Roboto" panose="02000000000000000000" pitchFamily="2" charset="0"/>
-                <a:cs typeface="Roboto" panose="02000000000000000000" pitchFamily="2" charset="0"/>
-              </a:rPr>
-              <a:t>software?</a:t>
-            </a:r>
-            <a:endParaRPr lang="en-US" sz="1600" dirty="0">
-              <a:highlight>
-                <a:srgbClr val="FFFF00"/>
-              </a:highlight>
-              <a:latin typeface="Roboto" panose="02000000000000000000" pitchFamily="2" charset="0"/>
-              <a:ea typeface="Roboto" panose="02000000000000000000" pitchFamily="2" charset="0"/>
-              <a:cs typeface="Roboto" panose="02000000000000000000" pitchFamily="2" charset="0"/>
-            </a:endParaRPr>
+              <a:t>Preliminary evidence suggests that IgG-targeted microbes have increased metabolic activity in Healthy Volunteers, which was not present in the microbiota from PI-ME/CFS participants</a:t>
+            </a:r>
           </a:p>
         </p:txBody>
       </p:sp>
@@ -8760,7 +8969,7 @@
           <p:nvPr/>
         </p:nvPicPr>
         <p:blipFill>
-          <a:blip r:embed="rId34">
+          <a:blip r:embed="rId32">
             <a:extLst>
               <a:ext uri="{28A0092B-C50C-407E-A947-70E740481C1C}">
                 <a14:useLocalDpi xmlns:a14="http://schemas.microsoft.com/office/drawing/2010/main" val="0"/>
@@ -8776,6 +8985,319 @@
           <a:xfrm>
             <a:off x="6922557" y="10641109"/>
             <a:ext cx="1270000" cy="711200"/>
+          </a:xfrm>
+          <a:prstGeom prst="rect">
+            <a:avLst/>
+          </a:prstGeom>
+          <a:noFill/>
+          <a:extLst>
+            <a:ext uri="{909E8E84-426E-40DD-AFC4-6F175D3DCCD1}">
+              <a14:hiddenFill xmlns:a14="http://schemas.microsoft.com/office/drawing/2010/main">
+                <a:solidFill>
+                  <a:srgbClr val="FFFFFF"/>
+                </a:solidFill>
+              </a14:hiddenFill>
+            </a:ext>
+          </a:extLst>
+        </p:spPr>
+      </p:pic>
+      <p:pic>
+        <p:nvPicPr>
+          <p:cNvPr id="4" name="Picture 3">
+            <a:extLst>
+              <a:ext uri="{FF2B5EF4-FFF2-40B4-BE49-F238E27FC236}">
+                <a16:creationId xmlns:a16="http://schemas.microsoft.com/office/drawing/2014/main" id="{204CC11C-0002-7DC7-75C5-EF7392433A44}"/>
+              </a:ext>
+            </a:extLst>
+          </p:cNvPr>
+          <p:cNvPicPr>
+            <a:picLocks noChangeAspect="1"/>
+          </p:cNvPicPr>
+          <p:nvPr/>
+        </p:nvPicPr>
+        <p:blipFill>
+          <a:blip r:embed="rId33"/>
+          <a:stretch>
+            <a:fillRect/>
+          </a:stretch>
+        </p:blipFill>
+        <p:spPr>
+          <a:xfrm>
+            <a:off x="27105991" y="26564366"/>
+            <a:ext cx="4114800" cy="4114800"/>
+          </a:xfrm>
+          <a:prstGeom prst="rect">
+            <a:avLst/>
+          </a:prstGeom>
+        </p:spPr>
+      </p:pic>
+      <p:sp>
+        <p:nvSpPr>
+          <p:cNvPr id="27" name="TextBox 26">
+            <a:extLst>
+              <a:ext uri="{FF2B5EF4-FFF2-40B4-BE49-F238E27FC236}">
+                <a16:creationId xmlns:a16="http://schemas.microsoft.com/office/drawing/2014/main" id="{AF6D06C7-C979-7653-9B0E-EA0068009844}"/>
+              </a:ext>
+            </a:extLst>
+          </p:cNvPr>
+          <p:cNvSpPr txBox="1"/>
+          <p:nvPr/>
+        </p:nvSpPr>
+        <p:spPr>
+          <a:xfrm>
+            <a:off x="26549805" y="30449555"/>
+            <a:ext cx="5227172" cy="369332"/>
+          </a:xfrm>
+          <a:prstGeom prst="rect">
+            <a:avLst/>
+          </a:prstGeom>
+          <a:noFill/>
+        </p:spPr>
+        <p:txBody>
+          <a:bodyPr wrap="square">
+            <a:spAutoFit/>
+          </a:bodyPr>
+          <a:lstStyle/>
+          <a:p>
+            <a:pPr algn="ctr"/>
+            <a:r>
+              <a:rPr lang="en-US" dirty="0" err="1"/>
+              <a:t>ktmbiome-niaid.github.io</a:t>
+            </a:r>
+            <a:r>
+              <a:rPr lang="en-US" dirty="0"/>
+              <a:t>/</a:t>
+            </a:r>
+            <a:r>
+              <a:rPr lang="en-US" dirty="0" err="1"/>
+              <a:t>IgGSeq</a:t>
+            </a:r>
+            <a:r>
+              <a:rPr lang="en-US" dirty="0"/>
+              <a:t>-in-PI-MECFS</a:t>
+            </a:r>
+          </a:p>
+        </p:txBody>
+      </p:sp>
+      <p:sp>
+        <p:nvSpPr>
+          <p:cNvPr id="31" name="TextBox 30">
+            <a:extLst>
+              <a:ext uri="{FF2B5EF4-FFF2-40B4-BE49-F238E27FC236}">
+                <a16:creationId xmlns:a16="http://schemas.microsoft.com/office/drawing/2014/main" id="{02E31B3B-576D-3926-91AC-F7E28B4EAAF2}"/>
+              </a:ext>
+            </a:extLst>
+          </p:cNvPr>
+          <p:cNvSpPr txBox="1"/>
+          <p:nvPr/>
+        </p:nvSpPr>
+        <p:spPr>
+          <a:xfrm>
+            <a:off x="11304779" y="12674395"/>
+            <a:ext cx="1257075" cy="253916"/>
+          </a:xfrm>
+          <a:prstGeom prst="rect">
+            <a:avLst/>
+          </a:prstGeom>
+          <a:solidFill>
+            <a:schemeClr val="bg1"/>
+          </a:solidFill>
+        </p:spPr>
+        <p:txBody>
+          <a:bodyPr wrap="none" rtlCol="0">
+            <a:spAutoFit/>
+          </a:bodyPr>
+          <a:lstStyle/>
+          <a:p>
+            <a:r>
+              <a:rPr lang="en-US" sz="1050" dirty="0"/>
+              <a:t>HV          PI-ME/CFS</a:t>
+            </a:r>
+          </a:p>
+        </p:txBody>
+      </p:sp>
+      <p:sp>
+        <p:nvSpPr>
+          <p:cNvPr id="44" name="TextBox 43">
+            <a:extLst>
+              <a:ext uri="{FF2B5EF4-FFF2-40B4-BE49-F238E27FC236}">
+                <a16:creationId xmlns:a16="http://schemas.microsoft.com/office/drawing/2014/main" id="{4555B48F-E707-2CC5-4371-A410C0219888}"/>
+              </a:ext>
+            </a:extLst>
+          </p:cNvPr>
+          <p:cNvSpPr txBox="1"/>
+          <p:nvPr/>
+        </p:nvSpPr>
+        <p:spPr>
+          <a:xfrm>
+            <a:off x="12957954" y="12714527"/>
+            <a:ext cx="1257075" cy="253916"/>
+          </a:xfrm>
+          <a:prstGeom prst="rect">
+            <a:avLst/>
+          </a:prstGeom>
+          <a:solidFill>
+            <a:schemeClr val="bg1"/>
+          </a:solidFill>
+        </p:spPr>
+        <p:txBody>
+          <a:bodyPr wrap="none" rtlCol="0">
+            <a:spAutoFit/>
+          </a:bodyPr>
+          <a:lstStyle/>
+          <a:p>
+            <a:r>
+              <a:rPr lang="en-US" sz="1050" dirty="0"/>
+              <a:t>HV          PI-ME/CFS</a:t>
+            </a:r>
+          </a:p>
+        </p:txBody>
+      </p:sp>
+      <p:sp>
+        <p:nvSpPr>
+          <p:cNvPr id="1035" name="TextBox 1034">
+            <a:extLst>
+              <a:ext uri="{FF2B5EF4-FFF2-40B4-BE49-F238E27FC236}">
+                <a16:creationId xmlns:a16="http://schemas.microsoft.com/office/drawing/2014/main" id="{5D827B31-5A00-EAC3-DCDC-550751E940A0}"/>
+              </a:ext>
+            </a:extLst>
+          </p:cNvPr>
+          <p:cNvSpPr txBox="1"/>
+          <p:nvPr/>
+        </p:nvSpPr>
+        <p:spPr>
+          <a:xfrm>
+            <a:off x="34055659" y="12588416"/>
+            <a:ext cx="1016881" cy="707630"/>
+          </a:xfrm>
+          <a:prstGeom prst="rect">
+            <a:avLst/>
+          </a:prstGeom>
+          <a:solidFill>
+            <a:schemeClr val="bg1"/>
+          </a:solidFill>
+        </p:spPr>
+        <p:txBody>
+          <a:bodyPr wrap="none" rtlCol="0">
+            <a:spAutoFit/>
+          </a:bodyPr>
+          <a:lstStyle/>
+          <a:p>
+            <a:pPr>
+              <a:lnSpc>
+                <a:spcPct val="150000"/>
+              </a:lnSpc>
+            </a:pPr>
+            <a:r>
+              <a:rPr lang="en-US" sz="1400" dirty="0"/>
+              <a:t>HV</a:t>
+            </a:r>
+          </a:p>
+          <a:p>
+            <a:pPr>
+              <a:lnSpc>
+                <a:spcPct val="150000"/>
+              </a:lnSpc>
+            </a:pPr>
+            <a:r>
+              <a:rPr lang="en-US" sz="1400" dirty="0"/>
+              <a:t>PI-ME/CFS</a:t>
+            </a:r>
+          </a:p>
+        </p:txBody>
+      </p:sp>
+      <p:sp>
+        <p:nvSpPr>
+          <p:cNvPr id="1058" name="TextBox 1057">
+            <a:extLst>
+              <a:ext uri="{FF2B5EF4-FFF2-40B4-BE49-F238E27FC236}">
+                <a16:creationId xmlns:a16="http://schemas.microsoft.com/office/drawing/2014/main" id="{FB0E8DB1-25FA-A254-68F2-936406C7F8E4}"/>
+              </a:ext>
+            </a:extLst>
+          </p:cNvPr>
+          <p:cNvSpPr txBox="1"/>
+          <p:nvPr/>
+        </p:nvSpPr>
+        <p:spPr>
+          <a:xfrm>
+            <a:off x="34952426" y="9819200"/>
+            <a:ext cx="2616486" cy="4031873"/>
+          </a:xfrm>
+          <a:prstGeom prst="rect">
+            <a:avLst/>
+          </a:prstGeom>
+          <a:noFill/>
+        </p:spPr>
+        <p:txBody>
+          <a:bodyPr wrap="square" rtlCol="0">
+            <a:spAutoFit/>
+          </a:bodyPr>
+          <a:lstStyle/>
+          <a:p>
+            <a:r>
+              <a:rPr lang="en-US" sz="1600" b="1" dirty="0">
+                <a:latin typeface="Roboto" panose="02000000000000000000" pitchFamily="2" charset="0"/>
+                <a:ea typeface="Roboto" panose="02000000000000000000" pitchFamily="2" charset="0"/>
+                <a:cs typeface="Roboto" panose="02000000000000000000" pitchFamily="2" charset="0"/>
+              </a:rPr>
+              <a:t>Figure 2. </a:t>
+            </a:r>
+            <a:r>
+              <a:rPr lang="en-US" sz="1600" dirty="0">
+                <a:latin typeface="Roboto" panose="02000000000000000000" pitchFamily="2" charset="0"/>
+                <a:ea typeface="Roboto" panose="02000000000000000000" pitchFamily="2" charset="0"/>
+                <a:cs typeface="Roboto" panose="02000000000000000000" pitchFamily="2" charset="0"/>
+              </a:rPr>
+              <a:t>Differential IgG scores were observed between HV and ME/CFS for 20 bacterial taxa. Taxa are sorted by the magnitude of difference between ME/CFS and HV. Points represent the IgG Score, with positive values indicating relatively increased IgG response for that taxon and negative values indicating decreased IgG response. Results are from a linear model with </a:t>
+            </a:r>
+            <a:r>
+              <a:rPr lang="en-US" sz="1600" i="1" dirty="0">
+                <a:latin typeface="Roboto" panose="02000000000000000000" pitchFamily="2" charset="0"/>
+                <a:ea typeface="Roboto" panose="02000000000000000000" pitchFamily="2" charset="0"/>
+                <a:cs typeface="Roboto" panose="02000000000000000000" pitchFamily="2" charset="0"/>
+              </a:rPr>
+              <a:t>p</a:t>
+            </a:r>
+            <a:r>
+              <a:rPr lang="en-US" sz="1600" dirty="0">
+                <a:latin typeface="Roboto" panose="02000000000000000000" pitchFamily="2" charset="0"/>
+                <a:ea typeface="Roboto" panose="02000000000000000000" pitchFamily="2" charset="0"/>
+                <a:cs typeface="Roboto" panose="02000000000000000000" pitchFamily="2" charset="0"/>
+              </a:rPr>
+              <a:t> value &lt; 0.05.</a:t>
+            </a:r>
+          </a:p>
+        </p:txBody>
+      </p:sp>
+      <p:pic>
+        <p:nvPicPr>
+          <p:cNvPr id="1037" name="Picture 2">
+            <a:extLst>
+              <a:ext uri="{FF2B5EF4-FFF2-40B4-BE49-F238E27FC236}">
+                <a16:creationId xmlns:a16="http://schemas.microsoft.com/office/drawing/2014/main" id="{32594F86-70B8-8039-3C3E-0D83EEFC604E}"/>
+              </a:ext>
+            </a:extLst>
+          </p:cNvPr>
+          <p:cNvPicPr>
+            <a:picLocks noChangeAspect="1" noChangeArrowheads="1"/>
+          </p:cNvPicPr>
+          <p:nvPr/>
+        </p:nvPicPr>
+        <p:blipFill rotWithShape="1">
+          <a:blip r:embed="rId16">
+            <a:extLst>
+              <a:ext uri="{28A0092B-C50C-407E-A947-70E740481C1C}">
+                <a14:useLocalDpi xmlns:a14="http://schemas.microsoft.com/office/drawing/2010/main" val="0"/>
+              </a:ext>
+            </a:extLst>
+          </a:blip>
+          <a:srcRect t="28529" r="46252" b="39873"/>
+          <a:stretch/>
+        </p:blipFill>
+        <p:spPr bwMode="auto">
+          <a:xfrm>
+            <a:off x="3351684" y="21671354"/>
+            <a:ext cx="2841865" cy="1374857"/>
           </a:xfrm>
           <a:prstGeom prst="rect">
             <a:avLst/>
